--- a/Documentation/API documentation.pptx
+++ b/Documentation/API documentation.pptx
@@ -119,13 +119,345 @@
 <file path=ppt/revisionInfo.xml><?xml version="1.0" encoding="utf-8"?>
 <p1510:revInfo xmlns:a="http://schemas.openxmlformats.org/drawingml/2006/main" xmlns:r="http://schemas.openxmlformats.org/officeDocument/2006/relationships" xmlns:p1510="http://schemas.microsoft.com/office/powerpoint/2015/10/main">
   <p1510:revLst>
-    <p1510:client id="{5D5A4F75-149A-453B-ABBF-C37F4CFD4617}" v="5" dt="2021-04-12T23:33:20.299"/>
+    <p1510:client id="{4276929F-B34C-4088-8D4E-89B5C864DFAE}" v="10" dt="2021-04-14T00:04:37.912"/>
   </p1510:revLst>
 </p1510:revInfo>
 </file>
 
 <file path=ppt/changesInfos/changesInfo1.xml><?xml version="1.0" encoding="utf-8"?>
 <pc:chgInfo xmlns:a="http://schemas.openxmlformats.org/drawingml/2006/main" xmlns:r="http://schemas.openxmlformats.org/officeDocument/2006/relationships" xmlns:ac="http://schemas.microsoft.com/office/drawing/2013/main/command" xmlns:pc="http://schemas.microsoft.com/office/powerpoint/2013/main/command">
+  <pc:docChgLst>
+    <pc:chgData name="Andrei Mungiu" userId="1c42a25706f1e539" providerId="LiveId" clId="{4276929F-B34C-4088-8D4E-89B5C864DFAE}"/>
+    <pc:docChg chg="undo custSel modSld">
+      <pc:chgData name="Andrei Mungiu" userId="1c42a25706f1e539" providerId="LiveId" clId="{4276929F-B34C-4088-8D4E-89B5C864DFAE}" dt="2021-04-14T00:04:45.410" v="307" actId="368"/>
+      <pc:docMkLst>
+        <pc:docMk/>
+      </pc:docMkLst>
+      <pc:sldChg chg="addSp delSp modSp mod modMedia setBg addAnim delAnim setClrOvrMap">
+        <pc:chgData name="Andrei Mungiu" userId="1c42a25706f1e539" providerId="LiveId" clId="{4276929F-B34C-4088-8D4E-89B5C864DFAE}" dt="2021-04-14T00:00:09.701" v="242"/>
+        <pc:sldMkLst>
+          <pc:docMk/>
+          <pc:sldMk cId="433549918" sldId="256"/>
+        </pc:sldMkLst>
+        <pc:spChg chg="mod">
+          <ac:chgData name="Andrei Mungiu" userId="1c42a25706f1e539" providerId="LiveId" clId="{4276929F-B34C-4088-8D4E-89B5C864DFAE}" dt="2021-04-14T00:00:09.699" v="240" actId="26606"/>
+          <ac:spMkLst>
+            <pc:docMk/>
+            <pc:sldMk cId="433549918" sldId="256"/>
+            <ac:spMk id="2" creationId="{FC3CE615-8BF2-44DC-836F-4377772688B2}"/>
+          </ac:spMkLst>
+        </pc:spChg>
+        <pc:spChg chg="mod">
+          <ac:chgData name="Andrei Mungiu" userId="1c42a25706f1e539" providerId="LiveId" clId="{4276929F-B34C-4088-8D4E-89B5C864DFAE}" dt="2021-04-14T00:00:09.699" v="240" actId="26606"/>
+          <ac:spMkLst>
+            <pc:docMk/>
+            <pc:sldMk cId="433549918" sldId="256"/>
+            <ac:spMk id="3" creationId="{5C4C5F46-0F6E-4CE4-B35A-1A439521B377}"/>
+          </ac:spMkLst>
+        </pc:spChg>
+        <pc:spChg chg="add del">
+          <ac:chgData name="Andrei Mungiu" userId="1c42a25706f1e539" providerId="LiveId" clId="{4276929F-B34C-4088-8D4E-89B5C864DFAE}" dt="2021-04-13T23:50:34.490" v="3" actId="26606"/>
+          <ac:spMkLst>
+            <pc:docMk/>
+            <pc:sldMk cId="433549918" sldId="256"/>
+            <ac:spMk id="9" creationId="{C1DD1A8A-57D5-4A81-AD04-532B043C5611}"/>
+          </ac:spMkLst>
+        </pc:spChg>
+        <pc:spChg chg="add del">
+          <ac:chgData name="Andrei Mungiu" userId="1c42a25706f1e539" providerId="LiveId" clId="{4276929F-B34C-4088-8D4E-89B5C864DFAE}" dt="2021-04-13T23:50:34.490" v="3" actId="26606"/>
+          <ac:spMkLst>
+            <pc:docMk/>
+            <pc:sldMk cId="433549918" sldId="256"/>
+            <ac:spMk id="11" creationId="{007891EC-4501-44ED-A8C8-B11B6DB767AB}"/>
+          </ac:spMkLst>
+        </pc:spChg>
+        <pc:spChg chg="add">
+          <ac:chgData name="Andrei Mungiu" userId="1c42a25706f1e539" providerId="LiveId" clId="{4276929F-B34C-4088-8D4E-89B5C864DFAE}" dt="2021-04-14T00:00:09.699" v="240" actId="26606"/>
+          <ac:spMkLst>
+            <pc:docMk/>
+            <pc:sldMk cId="433549918" sldId="256"/>
+            <ac:spMk id="13" creationId="{053FB2EE-284F-4C87-AB3D-BBF87A9FAB97}"/>
+          </ac:spMkLst>
+        </pc:spChg>
+        <pc:grpChg chg="add">
+          <ac:chgData name="Andrei Mungiu" userId="1c42a25706f1e539" providerId="LiveId" clId="{4276929F-B34C-4088-8D4E-89B5C864DFAE}" dt="2021-04-14T00:00:09.699" v="240" actId="26606"/>
+          <ac:grpSpMkLst>
+            <pc:docMk/>
+            <pc:sldMk cId="433549918" sldId="256"/>
+            <ac:grpSpMk id="8" creationId="{D2C4BFA1-2075-4901-9E24-E41D1FDD51FD}"/>
+          </ac:grpSpMkLst>
+        </pc:grpChg>
+        <pc:picChg chg="add del mod">
+          <ac:chgData name="Andrei Mungiu" userId="1c42a25706f1e539" providerId="LiveId" clId="{4276929F-B34C-4088-8D4E-89B5C864DFAE}" dt="2021-04-13T23:50:34.490" v="3" actId="26606"/>
+          <ac:picMkLst>
+            <pc:docMk/>
+            <pc:sldMk cId="433549918" sldId="256"/>
+            <ac:picMk id="5" creationId="{6FBB0F1D-5162-41BB-817E-69805BAF8C7A}"/>
+          </ac:picMkLst>
+        </pc:picChg>
+      </pc:sldChg>
+      <pc:sldChg chg="addSp delSp modSp mod setBg">
+        <pc:chgData name="Andrei Mungiu" userId="1c42a25706f1e539" providerId="LiveId" clId="{4276929F-B34C-4088-8D4E-89B5C864DFAE}" dt="2021-04-14T00:00:26.960" v="245" actId="26606"/>
+        <pc:sldMkLst>
+          <pc:docMk/>
+          <pc:sldMk cId="1349674941" sldId="257"/>
+        </pc:sldMkLst>
+        <pc:spChg chg="mod">
+          <ac:chgData name="Andrei Mungiu" userId="1c42a25706f1e539" providerId="LiveId" clId="{4276929F-B34C-4088-8D4E-89B5C864DFAE}" dt="2021-04-14T00:00:26.960" v="245" actId="26606"/>
+          <ac:spMkLst>
+            <pc:docMk/>
+            <pc:sldMk cId="1349674941" sldId="257"/>
+            <ac:spMk id="2" creationId="{C992EBE9-F11A-4E61-9980-AFBBDB2D7060}"/>
+          </ac:spMkLst>
+        </pc:spChg>
+        <pc:spChg chg="add del">
+          <ac:chgData name="Andrei Mungiu" userId="1c42a25706f1e539" providerId="LiveId" clId="{4276929F-B34C-4088-8D4E-89B5C864DFAE}" dt="2021-04-14T00:00:26.884" v="244" actId="26606"/>
+          <ac:spMkLst>
+            <pc:docMk/>
+            <pc:sldMk cId="1349674941" sldId="257"/>
+            <ac:spMk id="9" creationId="{D12DDE76-C203-4047-9998-63900085B5E8}"/>
+          </ac:spMkLst>
+        </pc:spChg>
+        <pc:spChg chg="add">
+          <ac:chgData name="Andrei Mungiu" userId="1c42a25706f1e539" providerId="LiveId" clId="{4276929F-B34C-4088-8D4E-89B5C864DFAE}" dt="2021-04-14T00:00:26.960" v="245" actId="26606"/>
+          <ac:spMkLst>
+            <pc:docMk/>
+            <pc:sldMk cId="1349674941" sldId="257"/>
+            <ac:spMk id="11" creationId="{6C4028FD-8BAA-4A19-BFDE-594D991B7552}"/>
+          </ac:spMkLst>
+        </pc:spChg>
+        <pc:graphicFrameChg chg="mod modGraphic">
+          <ac:chgData name="Andrei Mungiu" userId="1c42a25706f1e539" providerId="LiveId" clId="{4276929F-B34C-4088-8D4E-89B5C864DFAE}" dt="2021-04-14T00:00:26.960" v="245" actId="26606"/>
+          <ac:graphicFrameMkLst>
+            <pc:docMk/>
+            <pc:sldMk cId="1349674941" sldId="257"/>
+            <ac:graphicFrameMk id="4" creationId="{515DAEC9-D80F-4202-9801-C3E87E36936C}"/>
+          </ac:graphicFrameMkLst>
+        </pc:graphicFrameChg>
+      </pc:sldChg>
+      <pc:sldChg chg="addSp delSp modSp mod setBg">
+        <pc:chgData name="Andrei Mungiu" userId="1c42a25706f1e539" providerId="LiveId" clId="{4276929F-B34C-4088-8D4E-89B5C864DFAE}" dt="2021-04-14T00:04:39.293" v="297" actId="26606"/>
+        <pc:sldMkLst>
+          <pc:docMk/>
+          <pc:sldMk cId="1938746213" sldId="258"/>
+        </pc:sldMkLst>
+        <pc:spChg chg="mod">
+          <ac:chgData name="Andrei Mungiu" userId="1c42a25706f1e539" providerId="LiveId" clId="{4276929F-B34C-4088-8D4E-89B5C864DFAE}" dt="2021-04-14T00:04:39.293" v="297" actId="26606"/>
+          <ac:spMkLst>
+            <pc:docMk/>
+            <pc:sldMk cId="1938746213" sldId="258"/>
+            <ac:spMk id="2" creationId="{FAB4C095-8A12-49B6-9679-23AB8EE59EC3}"/>
+          </ac:spMkLst>
+        </pc:spChg>
+        <pc:spChg chg="mod">
+          <ac:chgData name="Andrei Mungiu" userId="1c42a25706f1e539" providerId="LiveId" clId="{4276929F-B34C-4088-8D4E-89B5C864DFAE}" dt="2021-04-14T00:04:39.293" v="297" actId="26606"/>
+          <ac:spMkLst>
+            <pc:docMk/>
+            <pc:sldMk cId="1938746213" sldId="258"/>
+            <ac:spMk id="8" creationId="{6F11ED28-C2E1-46FC-9B32-A79CCE743616}"/>
+          </ac:spMkLst>
+        </pc:spChg>
+        <pc:spChg chg="add del">
+          <ac:chgData name="Andrei Mungiu" userId="1c42a25706f1e539" providerId="LiveId" clId="{4276929F-B34C-4088-8D4E-89B5C864DFAE}" dt="2021-04-14T00:04:39.293" v="297" actId="26606"/>
+          <ac:spMkLst>
+            <pc:docMk/>
+            <pc:sldMk cId="1938746213" sldId="258"/>
+            <ac:spMk id="10" creationId="{12609869-9E80-471B-A487-A53288E0E791}"/>
+          </ac:spMkLst>
+        </pc:spChg>
+        <pc:spChg chg="add del">
+          <ac:chgData name="Andrei Mungiu" userId="1c42a25706f1e539" providerId="LiveId" clId="{4276929F-B34C-4088-8D4E-89B5C864DFAE}" dt="2021-04-14T00:04:39.293" v="297" actId="26606"/>
+          <ac:spMkLst>
+            <pc:docMk/>
+            <pc:sldMk cId="1938746213" sldId="258"/>
+            <ac:spMk id="11" creationId="{7004738A-9D34-43E8-97D2-CA0EED4F8BE0}"/>
+          </ac:spMkLst>
+        </pc:spChg>
+        <pc:spChg chg="add del">
+          <ac:chgData name="Andrei Mungiu" userId="1c42a25706f1e539" providerId="LiveId" clId="{4276929F-B34C-4088-8D4E-89B5C864DFAE}" dt="2021-04-14T00:04:39.293" v="297" actId="26606"/>
+          <ac:spMkLst>
+            <pc:docMk/>
+            <pc:sldMk cId="1938746213" sldId="258"/>
+            <ac:spMk id="12" creationId="{B8B8D07F-F13E-443E-BA68-2D26672D76B9}"/>
+          </ac:spMkLst>
+        </pc:spChg>
+        <pc:spChg chg="add del">
+          <ac:chgData name="Andrei Mungiu" userId="1c42a25706f1e539" providerId="LiveId" clId="{4276929F-B34C-4088-8D4E-89B5C864DFAE}" dt="2021-04-14T00:00:33.606" v="248" actId="26606"/>
+          <ac:spMkLst>
+            <pc:docMk/>
+            <pc:sldMk cId="1938746213" sldId="258"/>
+            <ac:spMk id="13" creationId="{2550BE34-C2B8-49B8-8519-67A8CAD51AE9}"/>
+          </ac:spMkLst>
+        </pc:spChg>
+        <pc:spChg chg="add del">
+          <ac:chgData name="Andrei Mungiu" userId="1c42a25706f1e539" providerId="LiveId" clId="{4276929F-B34C-4088-8D4E-89B5C864DFAE}" dt="2021-04-14T00:04:39.293" v="297" actId="26606"/>
+          <ac:spMkLst>
+            <pc:docMk/>
+            <pc:sldMk cId="1938746213" sldId="258"/>
+            <ac:spMk id="14" creationId="{2813A4FA-24A5-41ED-A534-3807D1B2F344}"/>
+          </ac:spMkLst>
+        </pc:spChg>
+        <pc:spChg chg="add del">
+          <ac:chgData name="Andrei Mungiu" userId="1c42a25706f1e539" providerId="LiveId" clId="{4276929F-B34C-4088-8D4E-89B5C864DFAE}" dt="2021-04-14T00:00:33.606" v="248" actId="26606"/>
+          <ac:spMkLst>
+            <pc:docMk/>
+            <pc:sldMk cId="1938746213" sldId="258"/>
+            <ac:spMk id="15" creationId="{A7457DD9-5A45-400A-AB4B-4B4EDECA25F1}"/>
+          </ac:spMkLst>
+        </pc:spChg>
+        <pc:spChg chg="add del">
+          <ac:chgData name="Andrei Mungiu" userId="1c42a25706f1e539" providerId="LiveId" clId="{4276929F-B34C-4088-8D4E-89B5C864DFAE}" dt="2021-04-14T00:00:33.606" v="248" actId="26606"/>
+          <ac:spMkLst>
+            <pc:docMk/>
+            <pc:sldMk cId="1938746213" sldId="258"/>
+            <ac:spMk id="17" creationId="{441CF7D6-A660-431A-B0BB-140A0D5556B6}"/>
+          </ac:spMkLst>
+        </pc:spChg>
+        <pc:spChg chg="add del">
+          <ac:chgData name="Andrei Mungiu" userId="1c42a25706f1e539" providerId="LiveId" clId="{4276929F-B34C-4088-8D4E-89B5C864DFAE}" dt="2021-04-14T00:00:33.606" v="248" actId="26606"/>
+          <ac:spMkLst>
+            <pc:docMk/>
+            <pc:sldMk cId="1938746213" sldId="258"/>
+            <ac:spMk id="19" creationId="{0570A85B-3810-4F95-97B0-CBF4CCDB381C}"/>
+          </ac:spMkLst>
+        </pc:spChg>
+        <pc:spChg chg="add del">
+          <ac:chgData name="Andrei Mungiu" userId="1c42a25706f1e539" providerId="LiveId" clId="{4276929F-B34C-4088-8D4E-89B5C864DFAE}" dt="2021-04-14T00:04:39.293" v="297" actId="26606"/>
+          <ac:spMkLst>
+            <pc:docMk/>
+            <pc:sldMk cId="1938746213" sldId="258"/>
+            <ac:spMk id="21" creationId="{C3944F27-CA70-4E84-A51A-E6BF89558979}"/>
+          </ac:spMkLst>
+        </pc:spChg>
+        <pc:graphicFrameChg chg="mod modGraphic">
+          <ac:chgData name="Andrei Mungiu" userId="1c42a25706f1e539" providerId="LiveId" clId="{4276929F-B34C-4088-8D4E-89B5C864DFAE}" dt="2021-04-14T00:04:39.293" v="297" actId="26606"/>
+          <ac:graphicFrameMkLst>
+            <pc:docMk/>
+            <pc:sldMk cId="1938746213" sldId="258"/>
+            <ac:graphicFrameMk id="3" creationId="{F8C63534-C526-407C-A247-FF8AC06C6141}"/>
+          </ac:graphicFrameMkLst>
+        </pc:graphicFrameChg>
+      </pc:sldChg>
+      <pc:sldChg chg="addSp delSp modSp mod setBg">
+        <pc:chgData name="Andrei Mungiu" userId="1c42a25706f1e539" providerId="LiveId" clId="{4276929F-B34C-4088-8D4E-89B5C864DFAE}" dt="2021-04-14T00:04:45.410" v="307" actId="368"/>
+        <pc:sldMkLst>
+          <pc:docMk/>
+          <pc:sldMk cId="817366420" sldId="259"/>
+        </pc:sldMkLst>
+        <pc:spChg chg="mod">
+          <ac:chgData name="Andrei Mungiu" userId="1c42a25706f1e539" providerId="LiveId" clId="{4276929F-B34C-4088-8D4E-89B5C864DFAE}" dt="2021-04-14T00:01:32.403" v="263" actId="26606"/>
+          <ac:spMkLst>
+            <pc:docMk/>
+            <pc:sldMk cId="817366420" sldId="259"/>
+            <ac:spMk id="2" creationId="{EFC41AF7-4C7E-4F3C-BFCB-2A22B59E835C}"/>
+          </ac:spMkLst>
+        </pc:spChg>
+        <pc:spChg chg="add del mod ord">
+          <ac:chgData name="Andrei Mungiu" userId="1c42a25706f1e539" providerId="LiveId" clId="{4276929F-B34C-4088-8D4E-89B5C864DFAE}" dt="2021-04-14T00:04:38.684" v="296" actId="26606"/>
+          <ac:spMkLst>
+            <pc:docMk/>
+            <pc:sldMk cId="817366420" sldId="259"/>
+            <ac:spMk id="3" creationId="{67C78B3D-1505-4FDC-830D-3FAB09D83152}"/>
+          </ac:spMkLst>
+        </pc:spChg>
+        <pc:spChg chg="add del">
+          <ac:chgData name="Andrei Mungiu" userId="1c42a25706f1e539" providerId="LiveId" clId="{4276929F-B34C-4088-8D4E-89B5C864DFAE}" dt="2021-04-14T00:01:32.403" v="263" actId="26606"/>
+          <ac:spMkLst>
+            <pc:docMk/>
+            <pc:sldMk cId="817366420" sldId="259"/>
+            <ac:spMk id="11" creationId="{5E52985E-2553-471E-82AA-5ED7A329890A}"/>
+          </ac:spMkLst>
+        </pc:spChg>
+        <pc:spChg chg="add del">
+          <ac:chgData name="Andrei Mungiu" userId="1c42a25706f1e539" providerId="LiveId" clId="{4276929F-B34C-4088-8D4E-89B5C864DFAE}" dt="2021-04-14T00:01:31.302" v="261" actId="26606"/>
+          <ac:spMkLst>
+            <pc:docMk/>
+            <pc:sldMk cId="817366420" sldId="259"/>
+            <ac:spMk id="18" creationId="{5E52985E-2553-471E-82AA-5ED7A329890A}"/>
+          </ac:spMkLst>
+        </pc:spChg>
+        <pc:graphicFrameChg chg="add mod modGraphic">
+          <ac:chgData name="Andrei Mungiu" userId="1c42a25706f1e539" providerId="LiveId" clId="{4276929F-B34C-4088-8D4E-89B5C864DFAE}" dt="2021-04-14T00:04:45.410" v="307" actId="368"/>
+          <ac:graphicFrameMkLst>
+            <pc:docMk/>
+            <pc:sldMk cId="817366420" sldId="259"/>
+            <ac:graphicFrameMk id="6" creationId="{09CA043D-F1F0-4C0D-92B7-9CBD26C8325C}"/>
+          </ac:graphicFrameMkLst>
+        </pc:graphicFrameChg>
+        <pc:graphicFrameChg chg="add del mod modGraphic">
+          <ac:chgData name="Andrei Mungiu" userId="1c42a25706f1e539" providerId="LiveId" clId="{4276929F-B34C-4088-8D4E-89B5C864DFAE}" dt="2021-04-14T00:04:38.684" v="296" actId="26606"/>
+          <ac:graphicFrameMkLst>
+            <pc:docMk/>
+            <pc:sldMk cId="817366420" sldId="259"/>
+            <ac:graphicFrameMk id="8" creationId="{07224CEB-9877-49B7-81BB-771412291326}"/>
+          </ac:graphicFrameMkLst>
+        </pc:graphicFrameChg>
+        <pc:picChg chg="mod ord">
+          <ac:chgData name="Andrei Mungiu" userId="1c42a25706f1e539" providerId="LiveId" clId="{4276929F-B34C-4088-8D4E-89B5C864DFAE}" dt="2021-04-14T00:04:29.032" v="286" actId="1076"/>
+          <ac:picMkLst>
+            <pc:docMk/>
+            <pc:sldMk cId="817366420" sldId="259"/>
+            <ac:picMk id="5" creationId="{C5EB40AF-A5E7-4C0E-AAB1-8A67C9E66D4E}"/>
+          </ac:picMkLst>
+        </pc:picChg>
+        <pc:cxnChg chg="add del">
+          <ac:chgData name="Andrei Mungiu" userId="1c42a25706f1e539" providerId="LiveId" clId="{4276929F-B34C-4088-8D4E-89B5C864DFAE}" dt="2021-04-14T00:01:32.403" v="263" actId="26606"/>
+          <ac:cxnSpMkLst>
+            <pc:docMk/>
+            <pc:sldMk cId="817366420" sldId="259"/>
+            <ac:cxnSpMk id="13" creationId="{DAE3ABC6-4042-4293-A7DF-F01181363B7E}"/>
+          </ac:cxnSpMkLst>
+        </pc:cxnChg>
+        <pc:cxnChg chg="add del">
+          <ac:chgData name="Andrei Mungiu" userId="1c42a25706f1e539" providerId="LiveId" clId="{4276929F-B34C-4088-8D4E-89B5C864DFAE}" dt="2021-04-14T00:01:31.302" v="261" actId="26606"/>
+          <ac:cxnSpMkLst>
+            <pc:docMk/>
+            <pc:sldMk cId="817366420" sldId="259"/>
+            <ac:cxnSpMk id="20" creationId="{DAE3ABC6-4042-4293-A7DF-F01181363B7E}"/>
+          </ac:cxnSpMkLst>
+        </pc:cxnChg>
+      </pc:sldChg>
+      <pc:sldChg chg="addSp delSp modSp mod setBg">
+        <pc:chgData name="Andrei Mungiu" userId="1c42a25706f1e539" providerId="LiveId" clId="{4276929F-B34C-4088-8D4E-89B5C864DFAE}" dt="2021-04-14T00:04:25.068" v="284" actId="26606"/>
+        <pc:sldMkLst>
+          <pc:docMk/>
+          <pc:sldMk cId="2421573497" sldId="260"/>
+        </pc:sldMkLst>
+        <pc:spChg chg="mod">
+          <ac:chgData name="Andrei Mungiu" userId="1c42a25706f1e539" providerId="LiveId" clId="{4276929F-B34C-4088-8D4E-89B5C864DFAE}" dt="2021-04-14T00:04:25.068" v="284" actId="26606"/>
+          <ac:spMkLst>
+            <pc:docMk/>
+            <pc:sldMk cId="2421573497" sldId="260"/>
+            <ac:spMk id="2" creationId="{EFC41AF7-4C7E-4F3C-BFCB-2A22B59E835C}"/>
+          </ac:spMkLst>
+        </pc:spChg>
+        <pc:spChg chg="mod ord">
+          <ac:chgData name="Andrei Mungiu" userId="1c42a25706f1e539" providerId="LiveId" clId="{4276929F-B34C-4088-8D4E-89B5C864DFAE}" dt="2021-04-14T00:04:25.068" v="284" actId="26606"/>
+          <ac:spMkLst>
+            <pc:docMk/>
+            <pc:sldMk cId="2421573497" sldId="260"/>
+            <ac:spMk id="3" creationId="{67C78B3D-1505-4FDC-830D-3FAB09D83152}"/>
+          </ac:spMkLst>
+        </pc:spChg>
+        <pc:spChg chg="add del">
+          <ac:chgData name="Andrei Mungiu" userId="1c42a25706f1e539" providerId="LiveId" clId="{4276929F-B34C-4088-8D4E-89B5C864DFAE}" dt="2021-04-14T00:04:19.680" v="282" actId="26606"/>
+          <ac:spMkLst>
+            <pc:docMk/>
+            <pc:sldMk cId="2421573497" sldId="260"/>
+            <ac:spMk id="12" creationId="{23A58148-D452-4F6F-A2FE-EED968DE1970}"/>
+          </ac:spMkLst>
+        </pc:spChg>
+        <pc:picChg chg="mod">
+          <ac:chgData name="Andrei Mungiu" userId="1c42a25706f1e539" providerId="LiveId" clId="{4276929F-B34C-4088-8D4E-89B5C864DFAE}" dt="2021-04-14T00:04:25.068" v="284" actId="26606"/>
+          <ac:picMkLst>
+            <pc:docMk/>
+            <pc:sldMk cId="2421573497" sldId="260"/>
+            <ac:picMk id="7" creationId="{C2183493-CCF9-4F4A-B3AE-F5A474461A9A}"/>
+          </ac:picMkLst>
+        </pc:picChg>
+      </pc:sldChg>
+    </pc:docChg>
+  </pc:docChgLst>
   <pc:docChgLst>
     <pc:chgData name="Andrei Mungiu" userId="1c42a25706f1e539" providerId="LiveId" clId="{5D5A4F75-149A-453B-ABBF-C37F4CFD4617}"/>
     <pc:docChg chg="undo custSel addSld delSld modSld">
@@ -504,7 +836,7 @@
           <a:p>
             <a:fld id="{E7262B3B-5833-429F-8CC6-10A0E2840F69}" type="datetimeFigureOut">
               <a:rPr lang="ru-RU" smtClean="0"/>
-              <a:t>13.04.2021</a:t>
+              <a:t>14.04.2021</a:t>
             </a:fld>
             <a:endParaRPr lang="ru-RU"/>
           </a:p>
@@ -704,7 +1036,7 @@
           <a:p>
             <a:fld id="{E7262B3B-5833-429F-8CC6-10A0E2840F69}" type="datetimeFigureOut">
               <a:rPr lang="ru-RU" smtClean="0"/>
-              <a:t>13.04.2021</a:t>
+              <a:t>14.04.2021</a:t>
             </a:fld>
             <a:endParaRPr lang="ru-RU"/>
           </a:p>
@@ -914,7 +1246,7 @@
           <a:p>
             <a:fld id="{E7262B3B-5833-429F-8CC6-10A0E2840F69}" type="datetimeFigureOut">
               <a:rPr lang="ru-RU" smtClean="0"/>
-              <a:t>13.04.2021</a:t>
+              <a:t>14.04.2021</a:t>
             </a:fld>
             <a:endParaRPr lang="ru-RU"/>
           </a:p>
@@ -1114,7 +1446,7 @@
           <a:p>
             <a:fld id="{E7262B3B-5833-429F-8CC6-10A0E2840F69}" type="datetimeFigureOut">
               <a:rPr lang="ru-RU" smtClean="0"/>
-              <a:t>13.04.2021</a:t>
+              <a:t>14.04.2021</a:t>
             </a:fld>
             <a:endParaRPr lang="ru-RU"/>
           </a:p>
@@ -1390,7 +1722,7 @@
           <a:p>
             <a:fld id="{E7262B3B-5833-429F-8CC6-10A0E2840F69}" type="datetimeFigureOut">
               <a:rPr lang="ru-RU" smtClean="0"/>
-              <a:t>13.04.2021</a:t>
+              <a:t>14.04.2021</a:t>
             </a:fld>
             <a:endParaRPr lang="ru-RU"/>
           </a:p>
@@ -1658,7 +1990,7 @@
           <a:p>
             <a:fld id="{E7262B3B-5833-429F-8CC6-10A0E2840F69}" type="datetimeFigureOut">
               <a:rPr lang="ru-RU" smtClean="0"/>
-              <a:t>13.04.2021</a:t>
+              <a:t>14.04.2021</a:t>
             </a:fld>
             <a:endParaRPr lang="ru-RU"/>
           </a:p>
@@ -2073,7 +2405,7 @@
           <a:p>
             <a:fld id="{E7262B3B-5833-429F-8CC6-10A0E2840F69}" type="datetimeFigureOut">
               <a:rPr lang="ru-RU" smtClean="0"/>
-              <a:t>13.04.2021</a:t>
+              <a:t>14.04.2021</a:t>
             </a:fld>
             <a:endParaRPr lang="ru-RU"/>
           </a:p>
@@ -2215,7 +2547,7 @@
           <a:p>
             <a:fld id="{E7262B3B-5833-429F-8CC6-10A0E2840F69}" type="datetimeFigureOut">
               <a:rPr lang="ru-RU" smtClean="0"/>
-              <a:t>13.04.2021</a:t>
+              <a:t>14.04.2021</a:t>
             </a:fld>
             <a:endParaRPr lang="ru-RU"/>
           </a:p>
@@ -2328,7 +2660,7 @@
           <a:p>
             <a:fld id="{E7262B3B-5833-429F-8CC6-10A0E2840F69}" type="datetimeFigureOut">
               <a:rPr lang="ru-RU" smtClean="0"/>
-              <a:t>13.04.2021</a:t>
+              <a:t>14.04.2021</a:t>
             </a:fld>
             <a:endParaRPr lang="ru-RU"/>
           </a:p>
@@ -2641,7 +2973,7 @@
           <a:p>
             <a:fld id="{E7262B3B-5833-429F-8CC6-10A0E2840F69}" type="datetimeFigureOut">
               <a:rPr lang="ru-RU" smtClean="0"/>
-              <a:t>13.04.2021</a:t>
+              <a:t>14.04.2021</a:t>
             </a:fld>
             <a:endParaRPr lang="ru-RU"/>
           </a:p>
@@ -2930,7 +3262,7 @@
           <a:p>
             <a:fld id="{E7262B3B-5833-429F-8CC6-10A0E2840F69}" type="datetimeFigureOut">
               <a:rPr lang="ru-RU" smtClean="0"/>
-              <a:t>13.04.2021</a:t>
+              <a:t>14.04.2021</a:t>
             </a:fld>
             <a:endParaRPr lang="ru-RU"/>
           </a:p>
@@ -3173,7 +3505,7 @@
           <a:p>
             <a:fld id="{E7262B3B-5833-429F-8CC6-10A0E2840F69}" type="datetimeFigureOut">
               <a:rPr lang="ru-RU" smtClean="0"/>
-              <a:t>13.04.2021</a:t>
+              <a:t>14.04.2021</a:t>
             </a:fld>
             <a:endParaRPr lang="ru-RU"/>
           </a:p>
@@ -3576,6 +3908,17 @@
 <file path=ppt/slides/slide1.xml><?xml version="1.0" encoding="utf-8"?>
 <p:sld xmlns:a="http://schemas.openxmlformats.org/drawingml/2006/main" xmlns:r="http://schemas.openxmlformats.org/officeDocument/2006/relationships" xmlns:p="http://schemas.openxmlformats.org/presentationml/2006/main">
   <p:cSld>
+    <p:bg>
+      <p:bgPr>
+        <a:solidFill>
+          <a:schemeClr val="bg1">
+            <a:tint val="95000"/>
+            <a:satMod val="170000"/>
+          </a:schemeClr>
+        </a:solidFill>
+        <a:effectLst/>
+      </p:bgPr>
+    </p:bg>
     <p:spTree>
       <p:nvGrpSpPr>
         <p:cNvPr id="1" name=""/>
@@ -3590,6 +3933,216 @@
           <a:chExt cx="0" cy="0"/>
         </a:xfrm>
       </p:grpSpPr>
+      <p:grpSp>
+        <p:nvGrpSpPr>
+          <p:cNvPr id="8" name="Group 7">
+            <a:extLst>
+              <a:ext uri="{FF2B5EF4-FFF2-40B4-BE49-F238E27FC236}">
+                <a16:creationId xmlns:a16="http://schemas.microsoft.com/office/drawing/2014/main" id="{D2C4BFA1-2075-4901-9E24-E41D1FDD51FD}"/>
+              </a:ext>
+              <a:ext uri="{C183D7F6-B498-43B3-948B-1728B52AA6E4}">
+                <adec:decorative xmlns:adec="http://schemas.microsoft.com/office/drawing/2017/decorative" val="1"/>
+              </a:ext>
+            </a:extLst>
+          </p:cNvPr>
+          <p:cNvGrpSpPr>
+            <a:grpSpLocks noGrp="1" noUngrp="1" noRot="1" noChangeAspect="1" noMove="1" noResize="1"/>
+          </p:cNvGrpSpPr>
+          <p:nvPr>
+            <p:extLst>
+              <p:ext uri="{386F3935-93C4-4BCD-93E2-E3B085C9AB24}">
+                <p16:designElem xmlns:p16="http://schemas.microsoft.com/office/powerpoint/2015/main" val="1"/>
+              </p:ext>
+            </p:extLst>
+          </p:nvPr>
+        </p:nvGrpSpPr>
+        <p:grpSpPr>
+          <a:xfrm>
+            <a:off x="1155481" y="498348"/>
+            <a:ext cx="9902663" cy="5861304"/>
+            <a:chOff x="1155481" y="498348"/>
+            <a:chExt cx="9902663" cy="5861304"/>
+          </a:xfrm>
+        </p:grpSpPr>
+        <p:sp>
+          <p:nvSpPr>
+            <p:cNvPr id="6" name="Oval 5">
+              <a:extLst>
+                <a:ext uri="{FF2B5EF4-FFF2-40B4-BE49-F238E27FC236}">
+                  <a16:creationId xmlns:a16="http://schemas.microsoft.com/office/drawing/2014/main" id="{985A7375-E3AF-4F5C-85AE-17E8832952CA}"/>
+                </a:ext>
+                <a:ext uri="{C183D7F6-B498-43B3-948B-1728B52AA6E4}">
+                  <adec:decorative xmlns:adec="http://schemas.microsoft.com/office/drawing/2017/decorative" val="1"/>
+                </a:ext>
+              </a:extLst>
+            </p:cNvPr>
+            <p:cNvSpPr>
+              <a:spLocks noChangeArrowheads="1"/>
+            </p:cNvSpPr>
+            <p:nvPr>
+              <p:extLst>
+                <p:ext uri="{386F3935-93C4-4BCD-93E2-E3B085C9AB24}">
+                  <p16:designElem xmlns:p16="http://schemas.microsoft.com/office/powerpoint/2015/main" val="1"/>
+                </p:ext>
+              </p:extLst>
+            </p:nvPr>
+          </p:nvSpPr>
+          <p:spPr bwMode="auto">
+            <a:xfrm>
+              <a:off x="1155481" y="498348"/>
+              <a:ext cx="5861304" cy="5861304"/>
+            </a:xfrm>
+            <a:prstGeom prst="ellipse">
+              <a:avLst/>
+            </a:prstGeom>
+            <a:solidFill>
+              <a:schemeClr val="accent1">
+                <a:alpha val="55000"/>
+              </a:schemeClr>
+            </a:solidFill>
+            <a:ln>
+              <a:noFill/>
+            </a:ln>
+          </p:spPr>
+        </p:sp>
+        <p:sp>
+          <p:nvSpPr>
+            <p:cNvPr id="10" name="Oval 9">
+              <a:extLst>
+                <a:ext uri="{FF2B5EF4-FFF2-40B4-BE49-F238E27FC236}">
+                  <a16:creationId xmlns:a16="http://schemas.microsoft.com/office/drawing/2014/main" id="{F0307F65-8304-4FA8-A841-D4D7625411BE}"/>
+                </a:ext>
+                <a:ext uri="{C183D7F6-B498-43B3-948B-1728B52AA6E4}">
+                  <adec:decorative xmlns:adec="http://schemas.microsoft.com/office/drawing/2017/decorative" val="1"/>
+                </a:ext>
+              </a:extLst>
+            </p:cNvPr>
+            <p:cNvSpPr>
+              <a:spLocks noChangeArrowheads="1"/>
+            </p:cNvSpPr>
+            <p:nvPr>
+              <p:extLst>
+                <p:ext uri="{386F3935-93C4-4BCD-93E2-E3B085C9AB24}">
+                  <p16:designElem xmlns:p16="http://schemas.microsoft.com/office/powerpoint/2015/main" val="1"/>
+                </p:ext>
+              </p:extLst>
+            </p:nvPr>
+          </p:nvSpPr>
+          <p:spPr bwMode="auto">
+            <a:xfrm>
+              <a:off x="5196840" y="498348"/>
+              <a:ext cx="5861304" cy="5861304"/>
+            </a:xfrm>
+            <a:prstGeom prst="ellipse">
+              <a:avLst/>
+            </a:prstGeom>
+            <a:solidFill>
+              <a:schemeClr val="accent1">
+                <a:alpha val="55000"/>
+              </a:schemeClr>
+            </a:solidFill>
+            <a:ln>
+              <a:noFill/>
+            </a:ln>
+          </p:spPr>
+        </p:sp>
+        <p:sp>
+          <p:nvSpPr>
+            <p:cNvPr id="7" name="Oval 5">
+              <a:extLst>
+                <a:ext uri="{FF2B5EF4-FFF2-40B4-BE49-F238E27FC236}">
+                  <a16:creationId xmlns:a16="http://schemas.microsoft.com/office/drawing/2014/main" id="{C8B8394C-136F-4E05-A002-D93A5E79CD50}"/>
+                </a:ext>
+                <a:ext uri="{C183D7F6-B498-43B3-948B-1728B52AA6E4}">
+                  <adec:decorative xmlns:adec="http://schemas.microsoft.com/office/drawing/2017/decorative" val="1"/>
+                </a:ext>
+              </a:extLst>
+            </p:cNvPr>
+            <p:cNvSpPr>
+              <a:spLocks noChangeArrowheads="1"/>
+            </p:cNvSpPr>
+            <p:nvPr>
+              <p:extLst>
+                <p:ext uri="{386F3935-93C4-4BCD-93E2-E3B085C9AB24}">
+                  <p16:designElem xmlns:p16="http://schemas.microsoft.com/office/powerpoint/2015/main" val="1"/>
+                </p:ext>
+              </p:extLst>
+            </p:nvPr>
+          </p:nvSpPr>
+          <p:spPr bwMode="auto">
+            <a:xfrm>
+              <a:off x="3165348" y="498348"/>
+              <a:ext cx="5861304" cy="5861304"/>
+            </a:xfrm>
+            <a:prstGeom prst="ellipse">
+              <a:avLst/>
+            </a:prstGeom>
+            <a:solidFill>
+              <a:schemeClr val="accent1">
+                <a:alpha val="70000"/>
+              </a:schemeClr>
+            </a:solidFill>
+            <a:ln>
+              <a:noFill/>
+            </a:ln>
+          </p:spPr>
+        </p:sp>
+      </p:grpSp>
+      <p:sp>
+        <p:nvSpPr>
+          <p:cNvPr id="13" name="Rectangle 12">
+            <a:extLst>
+              <a:ext uri="{FF2B5EF4-FFF2-40B4-BE49-F238E27FC236}">
+                <a16:creationId xmlns:a16="http://schemas.microsoft.com/office/drawing/2014/main" id="{053FB2EE-284F-4C87-AB3D-BBF87A9FAB97}"/>
+              </a:ext>
+              <a:ext uri="{C183D7F6-B498-43B3-948B-1728B52AA6E4}">
+                <adec:decorative xmlns:adec="http://schemas.microsoft.com/office/drawing/2017/decorative" val="1"/>
+              </a:ext>
+            </a:extLst>
+          </p:cNvPr>
+          <p:cNvSpPr>
+            <a:spLocks noGrp="1" noRot="1" noChangeAspect="1" noMove="1" noResize="1" noEditPoints="1" noAdjustHandles="1" noChangeArrowheads="1" noChangeShapeType="1" noTextEdit="1"/>
+          </p:cNvSpPr>
+          <p:nvPr>
+            <p:extLst>
+              <p:ext uri="{386F3935-93C4-4BCD-93E2-E3B085C9AB24}">
+                <p16:designElem xmlns:p16="http://schemas.microsoft.com/office/powerpoint/2015/main" val="1"/>
+              </p:ext>
+            </p:extLst>
+          </p:nvPr>
+        </p:nvSpPr>
+        <p:spPr>
+          <a:xfrm>
+            <a:off x="0" y="2514600"/>
+            <a:ext cx="12192000" cy="1828800"/>
+          </a:xfrm>
+          <a:prstGeom prst="rect">
+            <a:avLst/>
+          </a:prstGeom>
+          <a:solidFill>
+            <a:schemeClr val="tx2"/>
+          </a:solidFill>
+          <a:ln>
+            <a:noFill/>
+          </a:ln>
+        </p:spPr>
+        <p:style>
+          <a:lnRef idx="2">
+            <a:schemeClr val="accent1">
+              <a:shade val="50000"/>
+            </a:schemeClr>
+          </a:lnRef>
+          <a:fillRef idx="1">
+            <a:schemeClr val="accent1"/>
+          </a:fillRef>
+          <a:effectRef idx="0">
+            <a:schemeClr val="accent1"/>
+          </a:effectRef>
+          <a:fontRef idx="minor">
+            <a:schemeClr val="lt1"/>
+          </a:fontRef>
+        </p:style>
+      </p:sp>
       <p:sp>
         <p:nvSpPr>
           <p:cNvPr id="2" name="Title 1">
@@ -3606,16 +4159,31 @@
             <p:ph type="ctrTitle"/>
           </p:nvPr>
         </p:nvSpPr>
-        <p:spPr/>
-        <p:txBody>
-          <a:bodyPr/>
+        <p:spPr>
+          <a:xfrm>
+            <a:off x="1524000" y="2776538"/>
+            <a:ext cx="9144000" cy="1381188"/>
+          </a:xfrm>
+        </p:spPr>
+        <p:txBody>
+          <a:bodyPr anchor="ctr">
+            <a:normAutofit/>
+          </a:bodyPr>
           <a:lstStyle/>
           <a:p>
             <a:r>
-              <a:rPr lang="en-US" dirty="0"/>
+              <a:rPr lang="en-US" sz="4000">
+                <a:solidFill>
+                  <a:schemeClr val="bg2"/>
+                </a:solidFill>
+              </a:rPr>
               <a:t>Notable decisions documented</a:t>
             </a:r>
-            <a:endParaRPr lang="ru-RU" dirty="0"/>
+            <a:endParaRPr lang="ru-RU" sz="4000">
+              <a:solidFill>
+                <a:schemeClr val="bg2"/>
+              </a:solidFill>
+            </a:endParaRPr>
           </a:p>
         </p:txBody>
       </p:sp>
@@ -3635,28 +4203,23 @@
             <p:ph type="subTitle" idx="1"/>
           </p:nvPr>
         </p:nvSpPr>
-        <p:spPr/>
-        <p:txBody>
-          <a:bodyPr/>
+        <p:spPr>
+          <a:xfrm>
+            <a:off x="1524000" y="4495800"/>
+            <a:ext cx="9144000" cy="762000"/>
+          </a:xfrm>
+        </p:spPr>
+        <p:txBody>
+          <a:bodyPr>
+            <a:normAutofit/>
+          </a:bodyPr>
           <a:lstStyle/>
           <a:p>
             <a:r>
-              <a:rPr lang="en-US" dirty="0"/>
-              <a:t>For the “</a:t>
-            </a:r>
-            <a:r>
-              <a:rPr lang="en-US" dirty="0" err="1"/>
-              <a:t>CreditAPI</a:t>
-            </a:r>
-            <a:r>
-              <a:rPr lang="en-US" dirty="0"/>
-              <a:t>” app from </a:t>
-            </a:r>
-            <a:r>
-              <a:rPr lang="en-US" dirty="0" err="1"/>
-              <a:t>DanskeBank</a:t>
-            </a:r>
-            <a:endParaRPr lang="ru-RU" dirty="0"/>
+              <a:rPr lang="en-US" sz="1800"/>
+              <a:t>For the “CreditDecisionAPI” app from DanskeBank</a:t>
+            </a:r>
+            <a:endParaRPr lang="ru-RU" sz="1800"/>
           </a:p>
         </p:txBody>
       </p:sp>
@@ -3668,14 +4231,161 @@
     </p:extLst>
   </p:cSld>
   <p:clrMapOvr>
-    <a:masterClrMapping/>
+    <a:overrideClrMapping bg1="dk1" tx1="lt1" bg2="dk2" tx2="lt2" accent1="accent1" accent2="accent2" accent3="accent3" accent4="accent4" accent5="accent5" accent6="accent6" hlink="hlink" folHlink="folHlink"/>
   </p:clrMapOvr>
+  <p:timing>
+    <p:tnLst>
+      <p:par>
+        <p:cTn id="1" dur="indefinite" restart="never" nodeType="tmRoot">
+          <p:childTnLst>
+            <p:seq concurrent="1" nextAc="seek">
+              <p:cTn id="2" dur="indefinite" nodeType="mainSeq">
+                <p:childTnLst>
+                  <p:par>
+                    <p:cTn id="3" fill="hold">
+                      <p:stCondLst>
+                        <p:cond delay="indefinite"/>
+                        <p:cond evt="onBegin" delay="0">
+                          <p:tn val="2"/>
+                        </p:cond>
+                      </p:stCondLst>
+                      <p:childTnLst>
+                        <p:par>
+                          <p:cTn id="4" fill="hold">
+                            <p:stCondLst>
+                              <p:cond delay="0"/>
+                            </p:stCondLst>
+                            <p:childTnLst>
+                              <p:par>
+                                <p:cTn id="5" presetID="10" presetClass="entr" presetSubtype="0" fill="hold" grpId="0" nodeType="withEffect">
+                                  <p:stCondLst>
+                                    <p:cond delay="2000"/>
+                                  </p:stCondLst>
+                                  <p:iterate type="lt">
+                                    <p:tmPct val="10000"/>
+                                  </p:iterate>
+                                  <p:childTnLst>
+                                    <p:set>
+                                      <p:cBhvr>
+                                        <p:cTn id="6" dur="1" fill="hold">
+                                          <p:stCondLst>
+                                            <p:cond delay="0"/>
+                                          </p:stCondLst>
+                                        </p:cTn>
+                                        <p:tgtEl>
+                                          <p:spTgt spid="3">
+                                            <p:txEl>
+                                              <p:pRg st="0" end="0"/>
+                                            </p:txEl>
+                                          </p:spTgt>
+                                        </p:tgtEl>
+                                        <p:attrNameLst>
+                                          <p:attrName>style.visibility</p:attrName>
+                                        </p:attrNameLst>
+                                      </p:cBhvr>
+                                      <p:to>
+                                        <p:strVal val="visible"/>
+                                      </p:to>
+                                    </p:set>
+                                    <p:animEffect transition="in" filter="fade">
+                                      <p:cBhvr>
+                                        <p:cTn id="7" dur="400"/>
+                                        <p:tgtEl>
+                                          <p:spTgt spid="3">
+                                            <p:txEl>
+                                              <p:pRg st="0" end="0"/>
+                                            </p:txEl>
+                                          </p:spTgt>
+                                        </p:tgtEl>
+                                      </p:cBhvr>
+                                    </p:animEffect>
+                                  </p:childTnLst>
+                                </p:cTn>
+                              </p:par>
+                              <p:par>
+                                <p:cTn id="8" presetID="10" presetClass="entr" presetSubtype="0" fill="hold" grpId="0" nodeType="withEffect">
+                                  <p:stCondLst>
+                                    <p:cond delay="500"/>
+                                  </p:stCondLst>
+                                  <p:iterate type="lt">
+                                    <p:tmPct val="10000"/>
+                                  </p:iterate>
+                                  <p:childTnLst>
+                                    <p:set>
+                                      <p:cBhvr>
+                                        <p:cTn id="9" dur="1" fill="hold">
+                                          <p:stCondLst>
+                                            <p:cond delay="0"/>
+                                          </p:stCondLst>
+                                        </p:cTn>
+                                        <p:tgtEl>
+                                          <p:spTgt spid="2"/>
+                                        </p:tgtEl>
+                                        <p:attrNameLst>
+                                          <p:attrName>style.visibility</p:attrName>
+                                        </p:attrNameLst>
+                                      </p:cBhvr>
+                                      <p:to>
+                                        <p:strVal val="visible"/>
+                                      </p:to>
+                                    </p:set>
+                                    <p:animEffect transition="in" filter="fade">
+                                      <p:cBhvr>
+                                        <p:cTn id="10" dur="400"/>
+                                        <p:tgtEl>
+                                          <p:spTgt spid="2"/>
+                                        </p:tgtEl>
+                                      </p:cBhvr>
+                                    </p:animEffect>
+                                  </p:childTnLst>
+                                </p:cTn>
+                              </p:par>
+                            </p:childTnLst>
+                          </p:cTn>
+                        </p:par>
+                      </p:childTnLst>
+                    </p:cTn>
+                  </p:par>
+                </p:childTnLst>
+              </p:cTn>
+              <p:prevCondLst>
+                <p:cond evt="onPrev" delay="0">
+                  <p:tgtEl>
+                    <p:sldTgt/>
+                  </p:tgtEl>
+                </p:cond>
+              </p:prevCondLst>
+              <p:nextCondLst>
+                <p:cond evt="onNext" delay="0">
+                  <p:tgtEl>
+                    <p:sldTgt/>
+                  </p:tgtEl>
+                </p:cond>
+              </p:nextCondLst>
+            </p:seq>
+          </p:childTnLst>
+        </p:cTn>
+      </p:par>
+    </p:tnLst>
+    <p:bldLst>
+      <p:bldP spid="2" grpId="0"/>
+      <p:bldP spid="3" grpId="0" build="p"/>
+    </p:bldLst>
+  </p:timing>
 </p:sld>
 </file>
 
 <file path=ppt/slides/slide2.xml><?xml version="1.0" encoding="utf-8"?>
 <p:sld xmlns:a="http://schemas.openxmlformats.org/drawingml/2006/main" xmlns:r="http://schemas.openxmlformats.org/officeDocument/2006/relationships" xmlns:p="http://schemas.openxmlformats.org/presentationml/2006/main">
   <p:cSld>
+    <p:bg>
+      <p:bgPr>
+        <a:solidFill>
+          <a:schemeClr val="bg1"/>
+        </a:solidFill>
+        <a:effectLst/>
+      </p:bgPr>
+    </p:bg>
     <p:spTree>
       <p:nvGrpSpPr>
         <p:cNvPr id="1" name=""/>
@@ -3690,6 +4400,66 @@
           <a:chExt cx="0" cy="0"/>
         </a:xfrm>
       </p:grpSpPr>
+      <p:sp useBgFill="1">
+        <p:nvSpPr>
+          <p:cNvPr id="11" name="Rectangle 8">
+            <a:extLst>
+              <a:ext uri="{FF2B5EF4-FFF2-40B4-BE49-F238E27FC236}">
+                <a16:creationId xmlns:a16="http://schemas.microsoft.com/office/drawing/2014/main" id="{6C4028FD-8BAA-4A19-BFDE-594D991B7552}"/>
+              </a:ext>
+              <a:ext uri="{C183D7F6-B498-43B3-948B-1728B52AA6E4}">
+                <adec:decorative xmlns:adec="http://schemas.microsoft.com/office/drawing/2017/decorative" val="1"/>
+              </a:ext>
+            </a:extLst>
+          </p:cNvPr>
+          <p:cNvSpPr>
+            <a:spLocks noGrp="1" noRot="1" noChangeAspect="1" noMove="1" noResize="1" noEditPoints="1" noAdjustHandles="1" noChangeArrowheads="1" noChangeShapeType="1" noTextEdit="1"/>
+          </p:cNvSpPr>
+          <p:nvPr>
+            <p:extLst>
+              <p:ext uri="{386F3935-93C4-4BCD-93E2-E3B085C9AB24}">
+                <p16:designElem xmlns:p16="http://schemas.microsoft.com/office/powerpoint/2015/main" val="1"/>
+              </p:ext>
+            </p:extLst>
+          </p:nvPr>
+        </p:nvSpPr>
+        <p:spPr>
+          <a:xfrm>
+            <a:off x="-1" y="0"/>
+            <a:ext cx="12188952" cy="6858000"/>
+          </a:xfrm>
+          <a:prstGeom prst="rect">
+            <a:avLst/>
+          </a:prstGeom>
+          <a:ln>
+            <a:noFill/>
+          </a:ln>
+        </p:spPr>
+        <p:style>
+          <a:lnRef idx="2">
+            <a:schemeClr val="accent1">
+              <a:shade val="50000"/>
+            </a:schemeClr>
+          </a:lnRef>
+          <a:fillRef idx="1">
+            <a:schemeClr val="accent1"/>
+          </a:fillRef>
+          <a:effectRef idx="0">
+            <a:schemeClr val="accent1"/>
+          </a:effectRef>
+          <a:fontRef idx="minor">
+            <a:schemeClr val="lt1"/>
+          </a:fontRef>
+        </p:style>
+        <p:txBody>
+          <a:bodyPr rtlCol="0" anchor="ctr"/>
+          <a:lstStyle/>
+          <a:p>
+            <a:pPr algn="ctr"/>
+            <a:endParaRPr lang="en-US"/>
+          </a:p>
+        </p:txBody>
+      </p:sp>
       <p:sp>
         <p:nvSpPr>
           <p:cNvPr id="2" name="Title 1">
@@ -3706,16 +4476,23 @@
             <p:ph type="title"/>
           </p:nvPr>
         </p:nvSpPr>
-        <p:spPr/>
-        <p:txBody>
-          <a:bodyPr/>
+        <p:spPr>
+          <a:xfrm>
+            <a:off x="838200" y="556995"/>
+            <a:ext cx="10515600" cy="1133693"/>
+          </a:xfrm>
+        </p:spPr>
+        <p:txBody>
+          <a:bodyPr>
+            <a:normAutofit/>
+          </a:bodyPr>
           <a:lstStyle/>
           <a:p>
             <a:r>
-              <a:rPr lang="en-US" dirty="0"/>
+              <a:rPr lang="en-US" sz="5200"/>
               <a:t>API endpoints</a:t>
             </a:r>
-            <a:endParaRPr lang="ru-RU" dirty="0"/>
+            <a:endParaRPr lang="ru-RU" sz="5200"/>
           </a:p>
         </p:txBody>
       </p:sp>
@@ -3735,14 +4512,14 @@
             <p:ph idx="1"/>
             <p:extLst>
               <p:ext uri="{D42A27DB-BD31-4B8C-83A1-F6EECF244321}">
-                <p14:modId xmlns:p14="http://schemas.microsoft.com/office/powerpoint/2010/main" val="4038571973"/>
+                <p14:modId xmlns:p14="http://schemas.microsoft.com/office/powerpoint/2010/main" val="1226659667"/>
               </p:ext>
             </p:extLst>
           </p:nvPr>
         </p:nvGraphicFramePr>
         <p:xfrm>
-          <a:off x="838200" y="1825625"/>
-          <a:ext cx="10515600" cy="2966720"/>
+          <a:off x="838200" y="2100184"/>
+          <a:ext cx="10515601" cy="3802221"/>
         </p:xfrm>
         <a:graphic>
           <a:graphicData uri="http://schemas.openxmlformats.org/drawingml/2006/table">
@@ -3751,42 +4528,42 @@
                 <a:tableStyleId>{5C22544A-7EE6-4342-B048-85BDC9FD1C3A}</a:tableStyleId>
               </a:tblPr>
               <a:tblGrid>
-                <a:gridCol w="4128668">
+                <a:gridCol w="2255549">
                   <a:extLst>
                     <a:ext uri="{9D8B030D-6E8A-4147-A177-3AD203B41FA5}">
                       <a16:colId xmlns:a16="http://schemas.microsoft.com/office/drawing/2014/main" val="2275028236"/>
                     </a:ext>
                   </a:extLst>
                 </a:gridCol>
-                <a:gridCol w="689851">
+                <a:gridCol w="943874">
                   <a:extLst>
                     <a:ext uri="{9D8B030D-6E8A-4147-A177-3AD203B41FA5}">
                       <a16:colId xmlns:a16="http://schemas.microsoft.com/office/drawing/2014/main" val="2501631627"/>
                     </a:ext>
                   </a:extLst>
                 </a:gridCol>
-                <a:gridCol w="1216262">
+                <a:gridCol w="1597783">
                   <a:extLst>
                     <a:ext uri="{9D8B030D-6E8A-4147-A177-3AD203B41FA5}">
                       <a16:colId xmlns:a16="http://schemas.microsoft.com/office/drawing/2014/main" val="2004666534"/>
                     </a:ext>
                   </a:extLst>
                 </a:gridCol>
-                <a:gridCol w="1702300">
+                <a:gridCol w="2158059">
                   <a:extLst>
                     <a:ext uri="{9D8B030D-6E8A-4147-A177-3AD203B41FA5}">
                       <a16:colId xmlns:a16="http://schemas.microsoft.com/office/drawing/2014/main" val="3758095536"/>
                     </a:ext>
                   </a:extLst>
                 </a:gridCol>
-                <a:gridCol w="989898">
+                <a:gridCol w="1292845">
                   <a:extLst>
                     <a:ext uri="{9D8B030D-6E8A-4147-A177-3AD203B41FA5}">
                       <a16:colId xmlns:a16="http://schemas.microsoft.com/office/drawing/2014/main" val="1999156048"/>
                     </a:ext>
                   </a:extLst>
                 </a:gridCol>
-                <a:gridCol w="1788621">
+                <a:gridCol w="2267491">
                   <a:extLst>
                     <a:ext uri="{9D8B030D-6E8A-4147-A177-3AD203B41FA5}">
                       <a16:colId xmlns:a16="http://schemas.microsoft.com/office/drawing/2014/main" val="1881918020"/>
@@ -3794,20 +4571,20 @@
                   </a:extLst>
                 </a:gridCol>
               </a:tblGrid>
-              <a:tr h="370840">
+              <a:tr h="857818">
                 <a:tc>
                   <a:txBody>
                     <a:bodyPr/>
                     <a:lstStyle/>
                     <a:p>
                       <a:r>
-                        <a:rPr lang="en-US"/>
+                        <a:rPr lang="en-US" sz="2300"/>
                         <a:t>URI</a:t>
                       </a:r>
-                      <a:endParaRPr lang="ru-RU" dirty="0"/>
+                      <a:endParaRPr lang="ru-RU" sz="2300"/>
                     </a:p>
                   </a:txBody>
-                  <a:tcPr/>
+                  <a:tcPr marL="115921" marR="115921" marT="57961" marB="57961"/>
                 </a:tc>
                 <a:tc>
                   <a:txBody>
@@ -3815,13 +4592,13 @@
                     <a:lstStyle/>
                     <a:p>
                       <a:r>
-                        <a:rPr lang="en-US"/>
+                        <a:rPr lang="en-US" sz="2300"/>
                         <a:t>Verb</a:t>
                       </a:r>
-                      <a:endParaRPr lang="ru-RU" dirty="0"/>
+                      <a:endParaRPr lang="ru-RU" sz="2300"/>
                     </a:p>
                   </a:txBody>
-                  <a:tcPr/>
+                  <a:tcPr marL="115921" marR="115921" marT="57961" marB="57961"/>
                 </a:tc>
                 <a:tc>
                   <a:txBody>
@@ -3829,13 +4606,13 @@
                     <a:lstStyle/>
                     <a:p>
                       <a:r>
-                        <a:rPr lang="en-US" dirty="0"/>
+                        <a:rPr lang="en-US" sz="2300"/>
                         <a:t>Operation</a:t>
                       </a:r>
-                      <a:endParaRPr lang="ru-RU" dirty="0"/>
+                      <a:endParaRPr lang="ru-RU" sz="2300"/>
                     </a:p>
                   </a:txBody>
-                  <a:tcPr/>
+                  <a:tcPr marL="115921" marR="115921" marT="57961" marB="57961"/>
                 </a:tc>
                 <a:tc>
                   <a:txBody>
@@ -3843,13 +4620,13 @@
                     <a:lstStyle/>
                     <a:p>
                       <a:r>
-                        <a:rPr lang="en-US"/>
+                        <a:rPr lang="en-US" sz="2300"/>
                         <a:t>Description</a:t>
                       </a:r>
-                      <a:endParaRPr lang="ru-RU" dirty="0"/>
+                      <a:endParaRPr lang="ru-RU" sz="2300"/>
                     </a:p>
                   </a:txBody>
-                  <a:tcPr/>
+                  <a:tcPr marL="115921" marR="115921" marT="57961" marB="57961"/>
                 </a:tc>
                 <a:tc>
                   <a:txBody>
@@ -3857,13 +4634,13 @@
                     <a:lstStyle/>
                     <a:p>
                       <a:r>
-                        <a:rPr lang="en-US"/>
+                        <a:rPr lang="en-US" sz="2300"/>
                         <a:t>Success</a:t>
                       </a:r>
-                      <a:endParaRPr lang="ru-RU" dirty="0"/>
+                      <a:endParaRPr lang="ru-RU" sz="2300"/>
                     </a:p>
                   </a:txBody>
-                  <a:tcPr/>
+                  <a:tcPr marL="115921" marR="115921" marT="57961" marB="57961"/>
                 </a:tc>
                 <a:tc>
                   <a:txBody>
@@ -3871,13 +4648,13 @@
                     <a:lstStyle/>
                     <a:p>
                       <a:r>
-                        <a:rPr lang="en-US"/>
+                        <a:rPr lang="en-US" sz="2300"/>
                         <a:t>Failure</a:t>
                       </a:r>
-                      <a:endParaRPr lang="ru-RU" dirty="0"/>
+                      <a:endParaRPr lang="ru-RU" sz="2300"/>
                     </a:p>
                   </a:txBody>
-                  <a:tcPr/>
+                  <a:tcPr marL="115921" marR="115921" marT="57961" marB="57961"/>
                 </a:tc>
                 <a:extLst>
                   <a:ext uri="{0D108BD9-81ED-4DB2-BD59-A6C34878D82A}">
@@ -3885,28 +4662,20 @@
                   </a:ext>
                 </a:extLst>
               </a:tr>
-              <a:tr h="370840">
+              <a:tr h="394133">
                 <a:tc>
                   <a:txBody>
                     <a:bodyPr/>
                     <a:lstStyle/>
                     <a:p>
                       <a:r>
-                        <a:rPr lang="en-US" sz="1200" dirty="0"/>
-                        <a:t>/</a:t>
+                        <a:rPr lang="en-US" sz="1500"/>
+                        <a:t>/api/decision</a:t>
                       </a:r>
-                      <a:r>
-                        <a:rPr lang="en-US" sz="1200" dirty="0" err="1"/>
-                        <a:t>api</a:t>
-                      </a:r>
-                      <a:r>
-                        <a:rPr lang="en-US" sz="1200" dirty="0"/>
-                        <a:t>/decision</a:t>
-                      </a:r>
-                      <a:endParaRPr lang="ru-RU" sz="1200" dirty="0"/>
+                      <a:endParaRPr lang="ru-RU" sz="1500"/>
                     </a:p>
                   </a:txBody>
-                  <a:tcPr/>
+                  <a:tcPr marL="115921" marR="115921" marT="57961" marB="57961"/>
                 </a:tc>
                 <a:tc>
                   <a:txBody>
@@ -3914,13 +4683,13 @@
                     <a:lstStyle/>
                     <a:p>
                       <a:r>
-                        <a:rPr lang="en-US" sz="1200" dirty="0"/>
+                        <a:rPr lang="en-US" sz="1500"/>
                         <a:t>GET</a:t>
                       </a:r>
-                      <a:endParaRPr lang="ru-RU" sz="1200" dirty="0"/>
+                      <a:endParaRPr lang="ru-RU" sz="1500"/>
                     </a:p>
                   </a:txBody>
-                  <a:tcPr/>
+                  <a:tcPr marL="115921" marR="115921" marT="57961" marB="57961"/>
                 </a:tc>
                 <a:tc>
                   <a:txBody>
@@ -3928,13 +4697,13 @@
                     <a:lstStyle/>
                     <a:p>
                       <a:r>
-                        <a:rPr lang="en-US" sz="1200" dirty="0"/>
+                        <a:rPr lang="en-US" sz="1500"/>
                         <a:t>READ</a:t>
                       </a:r>
-                      <a:endParaRPr lang="ru-RU" sz="1200" dirty="0"/>
+                      <a:endParaRPr lang="ru-RU" sz="1500"/>
                     </a:p>
                   </a:txBody>
-                  <a:tcPr/>
+                  <a:tcPr marL="115921" marR="115921" marT="57961" marB="57961"/>
                 </a:tc>
                 <a:tc>
                   <a:txBody>
@@ -3942,13 +4711,13 @@
                     <a:lstStyle/>
                     <a:p>
                       <a:r>
-                        <a:rPr lang="en-US" sz="1200"/>
-                        <a:t>Create a credit decision</a:t>
+                        <a:rPr lang="en-US" sz="1500"/>
+                        <a:t>Get a credit decision</a:t>
                       </a:r>
-                      <a:endParaRPr lang="ru-RU" sz="1200" dirty="0"/>
+                      <a:endParaRPr lang="ru-RU" sz="1500"/>
                     </a:p>
                   </a:txBody>
-                  <a:tcPr/>
+                  <a:tcPr marL="115921" marR="115921" marT="57961" marB="57961"/>
                 </a:tc>
                 <a:tc>
                   <a:txBody>
@@ -3956,13 +4725,13 @@
                     <a:lstStyle/>
                     <a:p>
                       <a:r>
-                        <a:rPr lang="en-US" sz="1200" dirty="0"/>
+                        <a:rPr lang="en-US" sz="1500"/>
                         <a:t>200 (Ok)</a:t>
                       </a:r>
-                      <a:endParaRPr lang="ru-RU" sz="1200" dirty="0"/>
+                      <a:endParaRPr lang="ru-RU" sz="1500"/>
                     </a:p>
                   </a:txBody>
-                  <a:tcPr/>
+                  <a:tcPr marL="115921" marR="115921" marT="57961" marB="57961"/>
                 </a:tc>
                 <a:tc>
                   <a:txBody>
@@ -3970,13 +4739,13 @@
                     <a:lstStyle/>
                     <a:p>
                       <a:r>
-                        <a:rPr lang="en-US" sz="1200" dirty="0"/>
+                        <a:rPr lang="en-US" sz="1500"/>
                         <a:t>400 (Bad Request)</a:t>
                       </a:r>
-                      <a:endParaRPr lang="ru-RU" sz="1200" dirty="0"/>
+                      <a:endParaRPr lang="ru-RU" sz="1500"/>
                     </a:p>
                   </a:txBody>
-                  <a:tcPr/>
+                  <a:tcPr marL="115921" marR="115921" marT="57961" marB="57961"/>
                 </a:tc>
                 <a:extLst>
                   <a:ext uri="{0D108BD9-81ED-4DB2-BD59-A6C34878D82A}">
@@ -3984,66 +4753,66 @@
                   </a:ext>
                 </a:extLst>
               </a:tr>
-              <a:tr h="370840">
+              <a:tr h="425045">
                 <a:tc>
                   <a:txBody>
                     <a:bodyPr/>
                     <a:lstStyle/>
                     <a:p>
-                      <a:endParaRPr lang="ru-RU" sz="1200"/>
+                      <a:endParaRPr lang="ru-RU" sz="1500"/>
                     </a:p>
                   </a:txBody>
-                  <a:tcPr/>
+                  <a:tcPr marL="115921" marR="115921" marT="57961" marB="57961"/>
                 </a:tc>
                 <a:tc>
                   <a:txBody>
                     <a:bodyPr/>
                     <a:lstStyle/>
                     <a:p>
-                      <a:endParaRPr lang="ru-RU" sz="1200"/>
+                      <a:endParaRPr lang="ru-RU" sz="1500"/>
                     </a:p>
                   </a:txBody>
-                  <a:tcPr/>
+                  <a:tcPr marL="115921" marR="115921" marT="57961" marB="57961"/>
                 </a:tc>
                 <a:tc>
                   <a:txBody>
                     <a:bodyPr/>
                     <a:lstStyle/>
                     <a:p>
-                      <a:endParaRPr lang="ru-RU" sz="1200"/>
+                      <a:endParaRPr lang="ru-RU" sz="1500"/>
                     </a:p>
                   </a:txBody>
-                  <a:tcPr/>
+                  <a:tcPr marL="115921" marR="115921" marT="57961" marB="57961"/>
                 </a:tc>
                 <a:tc>
                   <a:txBody>
                     <a:bodyPr/>
                     <a:lstStyle/>
                     <a:p>
-                      <a:endParaRPr lang="ru-RU" sz="1200"/>
+                      <a:endParaRPr lang="ru-RU" sz="1500"/>
                     </a:p>
                   </a:txBody>
-                  <a:tcPr/>
+                  <a:tcPr marL="115921" marR="115921" marT="57961" marB="57961"/>
                 </a:tc>
                 <a:tc>
                   <a:txBody>
                     <a:bodyPr/>
                     <a:lstStyle/>
                     <a:p>
-                      <a:endParaRPr lang="ru-RU" sz="1200"/>
+                      <a:endParaRPr lang="ru-RU" sz="1500"/>
                     </a:p>
                   </a:txBody>
-                  <a:tcPr/>
+                  <a:tcPr marL="115921" marR="115921" marT="57961" marB="57961"/>
                 </a:tc>
                 <a:tc>
                   <a:txBody>
                     <a:bodyPr/>
                     <a:lstStyle/>
                     <a:p>
-                      <a:endParaRPr lang="ru-RU" sz="1200" dirty="0"/>
+                      <a:endParaRPr lang="ru-RU" sz="1500"/>
                     </a:p>
                   </a:txBody>
-                  <a:tcPr/>
+                  <a:tcPr marL="115921" marR="115921" marT="57961" marB="57961"/>
                 </a:tc>
                 <a:extLst>
                   <a:ext uri="{0D108BD9-81ED-4DB2-BD59-A6C34878D82A}">
@@ -4051,66 +4820,66 @@
                   </a:ext>
                 </a:extLst>
               </a:tr>
-              <a:tr h="370840">
+              <a:tr h="425045">
                 <a:tc>
                   <a:txBody>
                     <a:bodyPr/>
                     <a:lstStyle/>
                     <a:p>
-                      <a:endParaRPr lang="ru-RU" sz="1200"/>
+                      <a:endParaRPr lang="ru-RU" sz="1500"/>
                     </a:p>
                   </a:txBody>
-                  <a:tcPr/>
+                  <a:tcPr marL="115921" marR="115921" marT="57961" marB="57961"/>
                 </a:tc>
                 <a:tc>
                   <a:txBody>
                     <a:bodyPr/>
                     <a:lstStyle/>
                     <a:p>
-                      <a:endParaRPr lang="ru-RU" sz="1200"/>
+                      <a:endParaRPr lang="ru-RU" sz="1500"/>
                     </a:p>
                   </a:txBody>
-                  <a:tcPr/>
+                  <a:tcPr marL="115921" marR="115921" marT="57961" marB="57961"/>
                 </a:tc>
                 <a:tc>
                   <a:txBody>
                     <a:bodyPr/>
                     <a:lstStyle/>
                     <a:p>
-                      <a:endParaRPr lang="ru-RU" sz="1200"/>
+                      <a:endParaRPr lang="ru-RU" sz="1500"/>
                     </a:p>
                   </a:txBody>
-                  <a:tcPr/>
+                  <a:tcPr marL="115921" marR="115921" marT="57961" marB="57961"/>
                 </a:tc>
                 <a:tc>
                   <a:txBody>
                     <a:bodyPr/>
                     <a:lstStyle/>
                     <a:p>
-                      <a:endParaRPr lang="ru-RU" sz="1200"/>
+                      <a:endParaRPr lang="ru-RU" sz="1500"/>
                     </a:p>
                   </a:txBody>
-                  <a:tcPr/>
+                  <a:tcPr marL="115921" marR="115921" marT="57961" marB="57961"/>
                 </a:tc>
                 <a:tc>
                   <a:txBody>
                     <a:bodyPr/>
                     <a:lstStyle/>
                     <a:p>
-                      <a:endParaRPr lang="ru-RU" sz="1200"/>
+                      <a:endParaRPr lang="ru-RU" sz="1500"/>
                     </a:p>
                   </a:txBody>
-                  <a:tcPr/>
+                  <a:tcPr marL="115921" marR="115921" marT="57961" marB="57961"/>
                 </a:tc>
                 <a:tc>
                   <a:txBody>
                     <a:bodyPr/>
                     <a:lstStyle/>
                     <a:p>
-                      <a:endParaRPr lang="ru-RU" sz="1200" dirty="0"/>
+                      <a:endParaRPr lang="ru-RU" sz="1500"/>
                     </a:p>
                   </a:txBody>
-                  <a:tcPr/>
+                  <a:tcPr marL="115921" marR="115921" marT="57961" marB="57961"/>
                 </a:tc>
                 <a:extLst>
                   <a:ext uri="{0D108BD9-81ED-4DB2-BD59-A6C34878D82A}">
@@ -4118,66 +4887,66 @@
                   </a:ext>
                 </a:extLst>
               </a:tr>
-              <a:tr h="370840">
+              <a:tr h="425045">
                 <a:tc>
                   <a:txBody>
                     <a:bodyPr/>
                     <a:lstStyle/>
                     <a:p>
-                      <a:endParaRPr lang="ru-RU" sz="1200"/>
+                      <a:endParaRPr lang="ru-RU" sz="1500"/>
                     </a:p>
                   </a:txBody>
-                  <a:tcPr/>
+                  <a:tcPr marL="115921" marR="115921" marT="57961" marB="57961"/>
                 </a:tc>
                 <a:tc>
                   <a:txBody>
                     <a:bodyPr/>
                     <a:lstStyle/>
                     <a:p>
-                      <a:endParaRPr lang="ru-RU" sz="1200"/>
+                      <a:endParaRPr lang="ru-RU" sz="1500"/>
                     </a:p>
                   </a:txBody>
-                  <a:tcPr/>
+                  <a:tcPr marL="115921" marR="115921" marT="57961" marB="57961"/>
                 </a:tc>
                 <a:tc>
                   <a:txBody>
                     <a:bodyPr/>
                     <a:lstStyle/>
                     <a:p>
-                      <a:endParaRPr lang="ru-RU" sz="1200"/>
+                      <a:endParaRPr lang="ru-RU" sz="1500"/>
                     </a:p>
                   </a:txBody>
-                  <a:tcPr/>
+                  <a:tcPr marL="115921" marR="115921" marT="57961" marB="57961"/>
                 </a:tc>
                 <a:tc>
                   <a:txBody>
                     <a:bodyPr/>
                     <a:lstStyle/>
                     <a:p>
-                      <a:endParaRPr lang="ru-RU" sz="1200"/>
+                      <a:endParaRPr lang="ru-RU" sz="1500"/>
                     </a:p>
                   </a:txBody>
-                  <a:tcPr/>
+                  <a:tcPr marL="115921" marR="115921" marT="57961" marB="57961"/>
                 </a:tc>
                 <a:tc>
                   <a:txBody>
                     <a:bodyPr/>
                     <a:lstStyle/>
                     <a:p>
-                      <a:endParaRPr lang="ru-RU" sz="1200"/>
+                      <a:endParaRPr lang="ru-RU" sz="1500"/>
                     </a:p>
                   </a:txBody>
-                  <a:tcPr/>
+                  <a:tcPr marL="115921" marR="115921" marT="57961" marB="57961"/>
                 </a:tc>
                 <a:tc>
                   <a:txBody>
                     <a:bodyPr/>
                     <a:lstStyle/>
                     <a:p>
-                      <a:endParaRPr lang="ru-RU" sz="1200" dirty="0"/>
+                      <a:endParaRPr lang="ru-RU" sz="1500"/>
                     </a:p>
                   </a:txBody>
-                  <a:tcPr/>
+                  <a:tcPr marL="115921" marR="115921" marT="57961" marB="57961"/>
                 </a:tc>
                 <a:extLst>
                   <a:ext uri="{0D108BD9-81ED-4DB2-BD59-A6C34878D82A}">
@@ -4185,66 +4954,66 @@
                   </a:ext>
                 </a:extLst>
               </a:tr>
-              <a:tr h="370840">
+              <a:tr h="425045">
                 <a:tc>
                   <a:txBody>
                     <a:bodyPr/>
                     <a:lstStyle/>
                     <a:p>
-                      <a:endParaRPr lang="ru-RU" sz="1200"/>
+                      <a:endParaRPr lang="ru-RU" sz="1500"/>
                     </a:p>
                   </a:txBody>
-                  <a:tcPr/>
+                  <a:tcPr marL="115921" marR="115921" marT="57961" marB="57961"/>
                 </a:tc>
                 <a:tc>
                   <a:txBody>
                     <a:bodyPr/>
                     <a:lstStyle/>
                     <a:p>
-                      <a:endParaRPr lang="ru-RU" sz="1200"/>
+                      <a:endParaRPr lang="ru-RU" sz="1500"/>
                     </a:p>
                   </a:txBody>
-                  <a:tcPr/>
+                  <a:tcPr marL="115921" marR="115921" marT="57961" marB="57961"/>
                 </a:tc>
                 <a:tc>
                   <a:txBody>
                     <a:bodyPr/>
                     <a:lstStyle/>
                     <a:p>
-                      <a:endParaRPr lang="ru-RU" sz="1200" dirty="0"/>
+                      <a:endParaRPr lang="ru-RU" sz="1500"/>
                     </a:p>
                   </a:txBody>
-                  <a:tcPr/>
+                  <a:tcPr marL="115921" marR="115921" marT="57961" marB="57961"/>
                 </a:tc>
                 <a:tc>
                   <a:txBody>
                     <a:bodyPr/>
                     <a:lstStyle/>
                     <a:p>
-                      <a:endParaRPr lang="ru-RU" sz="1200" dirty="0"/>
+                      <a:endParaRPr lang="ru-RU" sz="1500"/>
                     </a:p>
                   </a:txBody>
-                  <a:tcPr/>
+                  <a:tcPr marL="115921" marR="115921" marT="57961" marB="57961"/>
                 </a:tc>
                 <a:tc>
                   <a:txBody>
                     <a:bodyPr/>
                     <a:lstStyle/>
                     <a:p>
-                      <a:endParaRPr lang="ru-RU" sz="1200" dirty="0"/>
+                      <a:endParaRPr lang="ru-RU" sz="1500"/>
                     </a:p>
                   </a:txBody>
-                  <a:tcPr/>
+                  <a:tcPr marL="115921" marR="115921" marT="57961" marB="57961"/>
                 </a:tc>
                 <a:tc>
                   <a:txBody>
                     <a:bodyPr/>
                     <a:lstStyle/>
                     <a:p>
-                      <a:endParaRPr lang="ru-RU" sz="1200" dirty="0"/>
+                      <a:endParaRPr lang="ru-RU" sz="1500"/>
                     </a:p>
                   </a:txBody>
-                  <a:tcPr/>
+                  <a:tcPr marL="115921" marR="115921" marT="57961" marB="57961"/>
                 </a:tc>
                 <a:extLst>
                   <a:ext uri="{0D108BD9-81ED-4DB2-BD59-A6C34878D82A}">
@@ -4252,66 +5021,66 @@
                   </a:ext>
                 </a:extLst>
               </a:tr>
-              <a:tr h="370840">
+              <a:tr h="425045">
                 <a:tc>
                   <a:txBody>
                     <a:bodyPr/>
                     <a:lstStyle/>
                     <a:p>
-                      <a:endParaRPr lang="ru-RU" sz="1200"/>
+                      <a:endParaRPr lang="ru-RU" sz="1500"/>
                     </a:p>
                   </a:txBody>
-                  <a:tcPr/>
+                  <a:tcPr marL="115921" marR="115921" marT="57961" marB="57961"/>
                 </a:tc>
                 <a:tc>
                   <a:txBody>
                     <a:bodyPr/>
                     <a:lstStyle/>
                     <a:p>
-                      <a:endParaRPr lang="ru-RU" sz="1200"/>
+                      <a:endParaRPr lang="ru-RU" sz="1500"/>
                     </a:p>
                   </a:txBody>
-                  <a:tcPr/>
+                  <a:tcPr marL="115921" marR="115921" marT="57961" marB="57961"/>
                 </a:tc>
                 <a:tc>
                   <a:txBody>
                     <a:bodyPr/>
                     <a:lstStyle/>
                     <a:p>
-                      <a:endParaRPr lang="ru-RU" sz="1200"/>
+                      <a:endParaRPr lang="ru-RU" sz="1500"/>
                     </a:p>
                   </a:txBody>
-                  <a:tcPr/>
+                  <a:tcPr marL="115921" marR="115921" marT="57961" marB="57961"/>
                 </a:tc>
                 <a:tc>
                   <a:txBody>
                     <a:bodyPr/>
                     <a:lstStyle/>
                     <a:p>
-                      <a:endParaRPr lang="ru-RU" sz="1200"/>
+                      <a:endParaRPr lang="ru-RU" sz="1500"/>
                     </a:p>
                   </a:txBody>
-                  <a:tcPr/>
+                  <a:tcPr marL="115921" marR="115921" marT="57961" marB="57961"/>
                 </a:tc>
                 <a:tc>
                   <a:txBody>
                     <a:bodyPr/>
                     <a:lstStyle/>
                     <a:p>
-                      <a:endParaRPr lang="ru-RU" sz="1200"/>
+                      <a:endParaRPr lang="ru-RU" sz="1500"/>
                     </a:p>
                   </a:txBody>
-                  <a:tcPr/>
+                  <a:tcPr marL="115921" marR="115921" marT="57961" marB="57961"/>
                 </a:tc>
                 <a:tc>
                   <a:txBody>
                     <a:bodyPr/>
                     <a:lstStyle/>
                     <a:p>
-                      <a:endParaRPr lang="ru-RU" sz="1200" dirty="0"/>
+                      <a:endParaRPr lang="ru-RU" sz="1500"/>
                     </a:p>
                   </a:txBody>
-                  <a:tcPr/>
+                  <a:tcPr marL="115921" marR="115921" marT="57961" marB="57961"/>
                 </a:tc>
                 <a:extLst>
                   <a:ext uri="{0D108BD9-81ED-4DB2-BD59-A6C34878D82A}">
@@ -4319,66 +5088,66 @@
                   </a:ext>
                 </a:extLst>
               </a:tr>
-              <a:tr h="370840">
+              <a:tr h="425045">
                 <a:tc>
                   <a:txBody>
                     <a:bodyPr/>
                     <a:lstStyle/>
                     <a:p>
-                      <a:endParaRPr lang="ru-RU" sz="1200"/>
+                      <a:endParaRPr lang="ru-RU" sz="1500"/>
                     </a:p>
                   </a:txBody>
-                  <a:tcPr/>
+                  <a:tcPr marL="115921" marR="115921" marT="57961" marB="57961"/>
                 </a:tc>
                 <a:tc>
                   <a:txBody>
                     <a:bodyPr/>
                     <a:lstStyle/>
                     <a:p>
-                      <a:endParaRPr lang="ru-RU" sz="1200"/>
+                      <a:endParaRPr lang="ru-RU" sz="1500"/>
                     </a:p>
                   </a:txBody>
-                  <a:tcPr/>
+                  <a:tcPr marL="115921" marR="115921" marT="57961" marB="57961"/>
                 </a:tc>
                 <a:tc>
                   <a:txBody>
                     <a:bodyPr/>
                     <a:lstStyle/>
                     <a:p>
-                      <a:endParaRPr lang="ru-RU" sz="1200"/>
+                      <a:endParaRPr lang="ru-RU" sz="1500"/>
                     </a:p>
                   </a:txBody>
-                  <a:tcPr/>
+                  <a:tcPr marL="115921" marR="115921" marT="57961" marB="57961"/>
                 </a:tc>
                 <a:tc>
                   <a:txBody>
                     <a:bodyPr/>
                     <a:lstStyle/>
                     <a:p>
-                      <a:endParaRPr lang="ru-RU" sz="1200"/>
+                      <a:endParaRPr lang="ru-RU" sz="1500"/>
                     </a:p>
                   </a:txBody>
-                  <a:tcPr/>
+                  <a:tcPr marL="115921" marR="115921" marT="57961" marB="57961"/>
                 </a:tc>
                 <a:tc>
                   <a:txBody>
                     <a:bodyPr/>
                     <a:lstStyle/>
                     <a:p>
-                      <a:endParaRPr lang="ru-RU" sz="1200"/>
+                      <a:endParaRPr lang="ru-RU" sz="1500"/>
                     </a:p>
                   </a:txBody>
-                  <a:tcPr/>
+                  <a:tcPr marL="115921" marR="115921" marT="57961" marB="57961"/>
                 </a:tc>
                 <a:tc>
                   <a:txBody>
                     <a:bodyPr/>
                     <a:lstStyle/>
                     <a:p>
-                      <a:endParaRPr lang="ru-RU" sz="1200" dirty="0"/>
+                      <a:endParaRPr lang="ru-RU" sz="1500"/>
                     </a:p>
                   </a:txBody>
-                  <a:tcPr/>
+                  <a:tcPr marL="115921" marR="115921" marT="57961" marB="57961"/>
                 </a:tc>
                 <a:extLst>
                   <a:ext uri="{0D108BD9-81ED-4DB2-BD59-A6C34878D82A}">
@@ -4442,7 +5211,7 @@
           <a:lstStyle/>
           <a:p>
             <a:r>
-              <a:rPr lang="en-US" dirty="0"/>
+              <a:rPr lang="en-US"/>
               <a:t>Variables with accounting purpose</a:t>
             </a:r>
             <a:endParaRPr lang="ru-RU" dirty="0"/>
@@ -4478,117 +5247,93 @@
           <a:lstStyle/>
           <a:p>
             <a:r>
-              <a:rPr lang="en-US" dirty="0"/>
-              <a:t>Variables with accounting purpose sent to “</a:t>
-            </a:r>
-            <a:r>
-              <a:rPr lang="en-US" dirty="0" err="1"/>
-              <a:t>CreditDecisionAPI</a:t>
-            </a:r>
-            <a:r>
-              <a:rPr lang="en-US" dirty="0"/>
-              <a:t>” through JSON must be of type </a:t>
-            </a:r>
-            <a:r>
-              <a:rPr lang="en-US" b="1" dirty="0"/>
+              <a:rPr lang="en-US"/>
+              <a:t>Variables with accounting purpose sent to “CreditDecisionAPI” through JSON must be of type </a:t>
+            </a:r>
+            <a:r>
+              <a:rPr lang="en-US" b="1"/>
               <a:t>“string” </a:t>
             </a:r>
             <a:r>
-              <a:rPr lang="en-US" dirty="0"/>
-              <a:t>to avoid automatic conversion mistakes to and from JSON.</a:t>
-            </a:r>
-          </a:p>
-          <a:p>
-            <a:r>
-              <a:rPr lang="en-US" dirty="0"/>
-              <a:t>Upon receival of variables with accounting the purpose, the “</a:t>
-            </a:r>
-            <a:r>
-              <a:rPr lang="en-US" dirty="0" err="1"/>
-              <a:t>CreditDecisionAPI</a:t>
-            </a:r>
-            <a:r>
-              <a:rPr lang="en-US" dirty="0"/>
-              <a:t>” converts them into </a:t>
-            </a:r>
-            <a:r>
-              <a:rPr lang="en-US" b="1" dirty="0"/>
+              <a:rPr lang="en-US"/>
+              <a:t>when inside a JSON string. This will avoid automatic conversion mistakes to and from JSON as JSON converts float automatically.</a:t>
+            </a:r>
+          </a:p>
+          <a:p>
+            <a:r>
+              <a:rPr lang="en-US"/>
+              <a:t>Upon receival of variables with accounting purpose, the “CreditDecisionAPI” converts them into </a:t>
+            </a:r>
+            <a:r>
+              <a:rPr lang="en-US" b="1"/>
               <a:t>“decimal” </a:t>
             </a:r>
             <a:r>
-              <a:rPr lang="en-US" dirty="0"/>
+              <a:rPr lang="en-US"/>
               <a:t>before performing any operations on them.</a:t>
             </a:r>
           </a:p>
           <a:p>
             <a:r>
-              <a:rPr lang="en-US" dirty="0"/>
+              <a:rPr lang="en-US"/>
               <a:t>After necessary operations are performed, the API will convert all variables with accounting purpose back to </a:t>
             </a:r>
             <a:r>
-              <a:rPr lang="en-US" b="1" dirty="0"/>
+              <a:rPr lang="en-US" b="1"/>
               <a:t>“string” </a:t>
             </a:r>
             <a:r>
-              <a:rPr lang="en-US" dirty="0"/>
+              <a:rPr lang="en-US"/>
               <a:t>before sending them as a JSON response if necessary.</a:t>
             </a:r>
           </a:p>
           <a:p>
             <a:r>
-              <a:rPr lang="en-US" dirty="0"/>
-              <a:t>In a </a:t>
-            </a:r>
-            <a:r>
-              <a:rPr lang="en-US" b="1" dirty="0"/>
-              <a:t>“string</a:t>
-            </a:r>
-            <a:r>
-              <a:rPr lang="en-US" dirty="0"/>
-              <a:t>” representing a decimal number, decimal points must be separated by a </a:t>
-            </a:r>
-            <a:r>
-              <a:rPr lang="en-US" b="1" dirty="0"/>
+              <a:rPr lang="en-US"/>
+              <a:t>The decimal points must be separated by a </a:t>
+            </a:r>
+            <a:r>
+              <a:rPr lang="en-US" b="1"/>
               <a:t>“decimal coma” </a:t>
             </a:r>
             <a:r>
-              <a:rPr lang="en-US" dirty="0"/>
-              <a:t>not a “decimal point”.</a:t>
+              <a:rPr lang="en-US"/>
+              <a:t>not a “decimal point” when written into JSON as a string.</a:t>
             </a:r>
             <a:br>
-              <a:rPr lang="en-US" dirty="0"/>
+              <a:rPr lang="en-US"/>
             </a:br>
             <a:r>
-              <a:rPr lang="en-US" b="1" dirty="0"/>
+              <a:rPr lang="en-US" b="1"/>
               <a:t>EG: 8000,23</a:t>
             </a:r>
           </a:p>
           <a:p>
             <a:r>
-              <a:rPr lang="en-US" dirty="0"/>
+              <a:rPr lang="en-US"/>
               <a:t>If the number passed as a </a:t>
             </a:r>
             <a:r>
-              <a:rPr lang="en-US" b="1" dirty="0"/>
+              <a:rPr lang="en-US" b="1"/>
               <a:t>“string”</a:t>
             </a:r>
             <a:r>
-              <a:rPr lang="en-US" dirty="0"/>
+              <a:rPr lang="en-US"/>
               <a:t> exceeds the range of a </a:t>
             </a:r>
             <a:r>
-              <a:rPr lang="en-US" b="1" dirty="0"/>
+              <a:rPr lang="en-US" b="1"/>
               <a:t>“decimal”</a:t>
             </a:r>
             <a:r>
-              <a:rPr lang="en-US" dirty="0"/>
+              <a:rPr lang="en-US"/>
               <a:t>, the API will round it the following way:</a:t>
             </a:r>
           </a:p>
           <a:p>
             <a:pPr lvl="1"/>
             <a:r>
-              <a:rPr lang="en-US" dirty="0"/>
+              <a:rPr lang="en-US"/>
               <a:t>0,0….15 – if “5” is outside the decimal boundary the number will be rounded UP</a:t>
             </a:r>
           </a:p>
@@ -4597,34 +5342,34 @@
               <a:buNone/>
             </a:pPr>
             <a:r>
-              <a:rPr lang="en-US" b="1" dirty="0"/>
+              <a:rPr lang="en-US" b="1"/>
               <a:t>RESULT: </a:t>
             </a:r>
             <a:r>
-              <a:rPr lang="en-US" dirty="0"/>
+              <a:rPr lang="en-US"/>
               <a:t>0,0….2 </a:t>
             </a:r>
             <a:r>
-              <a:rPr lang="en-US" b="1" dirty="0"/>
+              <a:rPr lang="en-US" b="1"/>
               <a:t>– </a:t>
             </a:r>
             <a:r>
-              <a:rPr lang="en-US" dirty="0"/>
+              <a:rPr lang="en-US"/>
               <a:t>“2”</a:t>
             </a:r>
             <a:r>
-              <a:rPr lang="en-US" b="1" dirty="0"/>
+              <a:rPr lang="en-US" b="1"/>
               <a:t> </a:t>
             </a:r>
             <a:r>
-              <a:rPr lang="en-US" dirty="0"/>
+              <a:rPr lang="en-US"/>
               <a:t>being the last number within the decimal boundary</a:t>
             </a:r>
           </a:p>
           <a:p>
             <a:pPr lvl="1"/>
             <a:r>
-              <a:rPr lang="en-US" dirty="0"/>
+              <a:rPr lang="en-US"/>
               <a:t>0,0….145 if “45” is outside the decimal boundary the number will be rounded DOWN</a:t>
             </a:r>
           </a:p>
@@ -4633,23 +5378,23 @@
               <a:buNone/>
             </a:pPr>
             <a:r>
-              <a:rPr lang="en-US" b="1" dirty="0"/>
+              <a:rPr lang="en-US" b="1"/>
               <a:t>RESULT: </a:t>
             </a:r>
             <a:r>
-              <a:rPr lang="en-US" dirty="0"/>
+              <a:rPr lang="en-US"/>
               <a:t>0,0….1 - “1”</a:t>
             </a:r>
             <a:r>
-              <a:rPr lang="en-US" b="1" dirty="0"/>
+              <a:rPr lang="en-US" b="1"/>
               <a:t> </a:t>
             </a:r>
             <a:r>
-              <a:rPr lang="en-US" dirty="0"/>
+              <a:rPr lang="en-US"/>
               <a:t>being the last number within the decimal boundary.</a:t>
             </a:r>
             <a:br>
-              <a:rPr lang="en-US" b="1" dirty="0"/>
+              <a:rPr lang="en-US" b="1"/>
             </a:br>
             <a:endParaRPr lang="en-US" b="1" dirty="0"/>
           </a:p>
@@ -4670,7 +5415,7 @@
           <p:nvPr>
             <p:extLst>
               <p:ext uri="{D42A27DB-BD31-4B8C-83A1-F6EECF244321}">
-                <p14:modId xmlns:p14="http://schemas.microsoft.com/office/powerpoint/2010/main" val="219917626"/>
+                <p14:modId xmlns:p14="http://schemas.microsoft.com/office/powerpoint/2010/main" val="179137109"/>
               </p:ext>
             </p:extLst>
           </p:nvPr>
@@ -4730,11 +5475,14 @@
                     <a:p>
                       <a:pPr algn="l" fontAlgn="t"/>
                       <a:r>
-                        <a:rPr lang="en-US" dirty="0">
+                        <a:rPr lang="en-US">
                           <a:effectLst/>
                         </a:rPr>
                         <a:t>C# type/keyword</a:t>
                       </a:r>
+                      <a:endParaRPr lang="en-US" dirty="0">
+                        <a:effectLst/>
+                      </a:endParaRPr>
                     </a:p>
                   </a:txBody>
                   <a:tcPr/>
@@ -4746,11 +5494,14 @@
                     <a:p>
                       <a:pPr algn="l" fontAlgn="t"/>
                       <a:r>
-                        <a:rPr lang="en-US" dirty="0">
+                        <a:rPr lang="en-US">
                           <a:effectLst/>
                         </a:rPr>
                         <a:t>Approximate range</a:t>
                       </a:r>
+                      <a:endParaRPr lang="en-US" dirty="0">
+                        <a:effectLst/>
+                      </a:endParaRPr>
                     </a:p>
                   </a:txBody>
                   <a:tcPr/>
@@ -4762,11 +5513,14 @@
                     <a:p>
                       <a:pPr algn="l" fontAlgn="t"/>
                       <a:r>
-                        <a:rPr lang="en-US" dirty="0">
+                        <a:rPr lang="en-US">
                           <a:effectLst/>
                         </a:rPr>
                         <a:t>Size</a:t>
                       </a:r>
+                      <a:endParaRPr lang="en-US" dirty="0">
+                        <a:effectLst/>
+                      </a:endParaRPr>
                     </a:p>
                   </a:txBody>
                   <a:tcPr/>
@@ -4778,11 +5532,14 @@
                     <a:p>
                       <a:pPr algn="l" fontAlgn="t"/>
                       <a:r>
-                        <a:rPr lang="en-US" dirty="0">
+                        <a:rPr lang="en-US">
                           <a:effectLst/>
                         </a:rPr>
                         <a:t>.NET type</a:t>
                       </a:r>
+                      <a:endParaRPr lang="en-US" dirty="0">
+                        <a:effectLst/>
+                      </a:endParaRPr>
                     </a:p>
                   </a:txBody>
                   <a:tcPr/>
@@ -4794,11 +5551,14 @@
                     <a:p>
                       <a:pPr algn="l" fontAlgn="t"/>
                       <a:r>
-                        <a:rPr lang="en-US" dirty="0">
+                        <a:rPr lang="en-US">
                           <a:effectLst/>
                         </a:rPr>
                         <a:t>Precision</a:t>
                       </a:r>
+                      <a:endParaRPr lang="en-US" dirty="0">
+                        <a:effectLst/>
+                      </a:endParaRPr>
                     </a:p>
                   </a:txBody>
                   <a:tcPr/>
@@ -4817,9 +5577,10 @@
                     <a:p>
                       <a:pPr algn="l" fontAlgn="t"/>
                       <a:r>
-                        <a:rPr lang="en-US" dirty="0"/>
+                        <a:rPr lang="en-US"/>
                         <a:t>decimal</a:t>
                       </a:r>
+                      <a:endParaRPr lang="en-US" dirty="0"/>
                     </a:p>
                   </a:txBody>
                   <a:tcPr/>
@@ -4831,7 +5592,7 @@
                     <a:p>
                       <a:pPr algn="l" fontAlgn="t"/>
                       <a:r>
-                        <a:rPr lang="en-US" sz="1800" b="0" i="0" kern="1200" dirty="0">
+                        <a:rPr lang="en-US" sz="1800" b="0" i="0" kern="1200">
                           <a:solidFill>
                             <a:schemeClr val="dk1"/>
                           </a:solidFill>
@@ -4843,7 +5604,7 @@
                         <a:t>±1.0 x 10</a:t>
                       </a:r>
                       <a:r>
-                        <a:rPr lang="en-US" sz="1800" b="0" i="0" kern="1200" baseline="30000" dirty="0">
+                        <a:rPr lang="en-US" sz="1800" b="0" i="0" kern="1200" baseline="30000">
                           <a:solidFill>
                             <a:schemeClr val="dk1"/>
                           </a:solidFill>
@@ -4855,7 +5616,7 @@
                         <a:t>-28</a:t>
                       </a:r>
                       <a:r>
-                        <a:rPr lang="en-US" sz="1800" b="0" i="0" kern="1200" dirty="0">
+                        <a:rPr lang="en-US" sz="1800" b="0" i="0" kern="1200">
                           <a:solidFill>
                             <a:schemeClr val="dk1"/>
                           </a:solidFill>
@@ -4867,7 +5628,7 @@
                         <a:t> to ±7.9228 x 10</a:t>
                       </a:r>
                       <a:r>
-                        <a:rPr lang="en-US" sz="1800" b="0" i="0" kern="1200" baseline="30000" dirty="0">
+                        <a:rPr lang="en-US" sz="1800" b="0" i="0" kern="1200" baseline="30000">
                           <a:solidFill>
                             <a:schemeClr val="dk1"/>
                           </a:solidFill>
@@ -4890,9 +5651,10 @@
                     <a:p>
                       <a:pPr algn="l" fontAlgn="t"/>
                       <a:r>
-                        <a:rPr lang="en-US" dirty="0"/>
+                        <a:rPr lang="en-US"/>
                         <a:t>16 bytes</a:t>
                       </a:r>
+                      <a:endParaRPr lang="en-US" dirty="0"/>
                     </a:p>
                   </a:txBody>
                   <a:tcPr/>
@@ -4904,7 +5666,7 @@
                     <a:p>
                       <a:pPr algn="l" fontAlgn="t"/>
                       <a:r>
-                        <a:rPr lang="en-US" dirty="0" err="1"/>
+                        <a:rPr lang="en-US"/>
                         <a:t>System.Decimal</a:t>
                       </a:r>
                       <a:endParaRPr lang="en-US" dirty="0"/>
@@ -4919,9 +5681,10 @@
                     <a:p>
                       <a:pPr algn="l" fontAlgn="t"/>
                       <a:r>
-                        <a:rPr lang="en-US" dirty="0"/>
+                        <a:rPr lang="en-US"/>
                         <a:t>26-29 digits</a:t>
                       </a:r>
+                      <a:endParaRPr lang="en-US" dirty="0"/>
                     </a:p>
                   </a:txBody>
                   <a:tcPr/>
@@ -4988,8 +5751,8 @@
           <a:lstStyle/>
           <a:p>
             <a:r>
-              <a:rPr lang="en-US" dirty="0"/>
-              <a:t>Applied amount decision</a:t>
+              <a:rPr lang="en-US"/>
+              <a:t>“Applied amount” decisions</a:t>
             </a:r>
             <a:endParaRPr lang="ru-RU" dirty="0"/>
           </a:p>
@@ -5102,7 +5865,7 @@
           <p:nvPr>
             <p:extLst>
               <p:ext uri="{D42A27DB-BD31-4B8C-83A1-F6EECF244321}">
-                <p14:modId xmlns:p14="http://schemas.microsoft.com/office/powerpoint/2010/main" val="665427628"/>
+                <p14:modId xmlns:p14="http://schemas.microsoft.com/office/powerpoint/2010/main" val="2145294899"/>
               </p:ext>
             </p:extLst>
           </p:nvPr>
@@ -5168,7 +5931,7 @@
                     <a:lstStyle/>
                     <a:p>
                       <a:r>
-                        <a:rPr lang="en-US" dirty="0"/>
+                        <a:rPr lang="en-US"/>
                         <a:t>If below 2000</a:t>
                       </a:r>
                       <a:endParaRPr lang="ru-RU" dirty="0"/>
@@ -5182,7 +5945,7 @@
                     <a:lstStyle/>
                     <a:p>
                       <a:r>
-                        <a:rPr lang="en-US" dirty="0"/>
+                        <a:rPr lang="en-US"/>
                         <a:t>If over or equal to 2000</a:t>
                       </a:r>
                       <a:endParaRPr lang="ru-RU" dirty="0"/>
@@ -5196,7 +5959,7 @@
                     <a:lstStyle/>
                     <a:p>
                       <a:r>
-                        <a:rPr lang="en-US" dirty="0"/>
+                        <a:rPr lang="en-US"/>
                         <a:t>If Over 69000</a:t>
                       </a:r>
                       <a:endParaRPr lang="ru-RU" dirty="0"/>
@@ -5231,7 +5994,7 @@
                     <a:lstStyle/>
                     <a:p>
                       <a:r>
-                        <a:rPr lang="en-US" dirty="0"/>
+                        <a:rPr lang="en-US"/>
                         <a:t>No</a:t>
                       </a:r>
                       <a:endParaRPr lang="ru-RU" dirty="0"/>
@@ -5245,7 +6008,7 @@
                     <a:lstStyle/>
                     <a:p>
                       <a:r>
-                        <a:rPr lang="en-US" dirty="0"/>
+                        <a:rPr lang="en-US"/>
                         <a:t>Yes</a:t>
                       </a:r>
                       <a:endParaRPr lang="ru-RU" dirty="0"/>
@@ -5329,8 +6092,8 @@
           <a:lstStyle/>
           <a:p>
             <a:r>
-              <a:rPr lang="en-US" dirty="0"/>
-              <a:t>Total future debt decision</a:t>
+              <a:rPr lang="en-US"/>
+              <a:t>“Total future debt” decisions</a:t>
             </a:r>
             <a:endParaRPr lang="ru-RU" dirty="0"/>
           </a:p>
@@ -5363,51 +6126,52 @@
               <a:buNone/>
             </a:pPr>
             <a:r>
-              <a:rPr lang="en-US" dirty="0"/>
+              <a:rPr lang="en-US"/>
               <a:t>According to the below table, there is not definition as to what should happen if the system receives a “total future debt” between and </a:t>
             </a:r>
             <a:r>
-              <a:rPr lang="en-US" b="1" dirty="0"/>
+              <a:rPr lang="en-US" b="1"/>
               <a:t>NOT</a:t>
             </a:r>
             <a:r>
-              <a:rPr lang="en-US" dirty="0"/>
+              <a:rPr lang="en-US"/>
               <a:t> including:</a:t>
             </a:r>
           </a:p>
           <a:p>
             <a:r>
-              <a:rPr lang="en-US" sz="1700" dirty="0"/>
+              <a:rPr lang="en-US" sz="1700"/>
               <a:t>39000 and 40000 (developers included this range into 4% interest rate)</a:t>
             </a:r>
           </a:p>
           <a:p>
             <a:r>
-              <a:rPr lang="en-US" sz="1700" dirty="0"/>
+              <a:rPr lang="en-US" sz="1700"/>
               <a:t>59000 and 60000 (developers included this range into 5% interest rate)</a:t>
             </a:r>
             <a:br>
-              <a:rPr lang="en-US" dirty="0"/>
+              <a:rPr lang="en-US"/>
             </a:br>
-            <a:endParaRPr lang="en-US" dirty="0"/>
+            <a:endParaRPr lang="en-US"/>
           </a:p>
           <a:p>
             <a:pPr marL="0" indent="0">
               <a:buNone/>
             </a:pPr>
-            <a:endParaRPr lang="en-US" dirty="0"/>
+            <a:endParaRPr lang="en-US"/>
           </a:p>
           <a:p>
             <a:pPr marL="0" indent="0">
               <a:buNone/>
             </a:pPr>
             <a:br>
-              <a:rPr lang="en-US" dirty="0"/>
+              <a:rPr lang="en-US"/>
             </a:br>
             <a:r>
-              <a:rPr lang="en-US" dirty="0"/>
+              <a:rPr lang="en-US"/>
               <a:t>The developers have decided to include the above amounts as described. Since As it seemed more rational to assume that the limits are at notable numbers such as “40000” and “60000” VS “39000” and “59000”. Also, prompting with an error every time a non included amount is encountered seemed like a bad idea.</a:t>
             </a:r>
+            <a:endParaRPr lang="en-US" dirty="0"/>
           </a:p>
         </p:txBody>
       </p:sp>
